--- a/materials/slides/chapt00.pptx
+++ b/materials/slides/chapt00.pptx
@@ -239,8 +239,8 @@
               <c:idx val="0"/>
               <c:layout>
                 <c:manualLayout>
-                  <c:x val="-0.24051888971400839"/>
-                  <c:y val="-2.6497529314924679E-2"/>
+                  <c:x val="-0.19967547465486291"/>
+                  <c:y val="9.9766850400460558E-2"/>
                 </c:manualLayout>
               </c:layout>
               <c:tx>
@@ -274,7 +274,7 @@
                           <a:schemeClr val="bg1"/>
                         </a:solidFill>
                       </a:rPr>
-                      <a:t>50%</a:t>
+                      <a:t>40%</a:t>
                     </a:r>
                   </a:p>
                 </c:rich>
@@ -297,8 +297,8 @@
               <c:idx val="1"/>
               <c:layout>
                 <c:manualLayout>
-                  <c:x val="0.20146211824417168"/>
-                  <c:y val="-0.21419605523628688"/>
+                  <c:x val="0.36669229734707842"/>
+                  <c:y val="-0.51883392375594628"/>
                 </c:manualLayout>
               </c:layout>
               <c:tx>
@@ -332,8 +332,13 @@
                           <a:schemeClr val="bg1"/>
                         </a:solidFill>
                       </a:rPr>
-                      <a:t>20%</a:t>
+                      <a:t>5%</a:t>
                     </a:r>
+                    <a:endParaRPr lang="zh-CN" altLang="en-US">
+                      <a:solidFill>
+                        <a:schemeClr val="bg1"/>
+                      </a:solidFill>
+                    </a:endParaRPr>
                   </a:p>
                 </c:rich>
               </c:tx>
@@ -355,8 +360,8 @@
               <c:idx val="2"/>
               <c:layout>
                 <c:manualLayout>
-                  <c:x val="0.25193399563791158"/>
-                  <c:y val="0.19583856212946041"/>
+                  <c:x val="-6.3674211637303454E-2"/>
+                  <c:y val="0.52452678869014546"/>
                 </c:manualLayout>
               </c:layout>
               <c:tx>
@@ -381,7 +386,7 @@
                           <a:schemeClr val="bg1"/>
                         </a:solidFill>
                       </a:rPr>
-                      <a:t>期中考试
+                      <a:t>作业成绩
 </a:t>
                     </a:r>
                     <a:r>
@@ -390,8 +395,13 @@
                           <a:schemeClr val="bg1"/>
                         </a:solidFill>
                       </a:rPr>
-                      <a:t>30%</a:t>
+                      <a:t>55%</a:t>
                     </a:r>
+                    <a:endParaRPr lang="zh-CN" altLang="en-US">
+                      <a:solidFill>
+                        <a:schemeClr val="bg1"/>
+                      </a:solidFill>
+                    </a:endParaRPr>
                   </a:p>
                 </c:rich>
               </c:tx>
@@ -490,13 +500,13 @@
               <c:strCache>
                 <c:ptCount val="3"/>
                 <c:pt idx="0">
-                  <c:v>期末考试</c:v>
+                  <c:v>期末成绩</c:v>
                 </c:pt>
                 <c:pt idx="1">
-                  <c:v>平时成绩</c:v>
+                  <c:v>作业成绩</c:v>
                 </c:pt>
                 <c:pt idx="2">
-                  <c:v>期中考试</c:v>
+                  <c:v>平时成绩</c:v>
                 </c:pt>
               </c:strCache>
             </c:strRef>
@@ -508,13 +518,13 @@
                 <c:formatCode>General</c:formatCode>
                 <c:ptCount val="4"/>
                 <c:pt idx="0">
-                  <c:v>5</c:v>
+                  <c:v>4</c:v>
                 </c:pt>
                 <c:pt idx="1">
-                  <c:v>2</c:v>
+                  <c:v>5.5</c:v>
                 </c:pt>
                 <c:pt idx="2">
-                  <c:v>3</c:v>
+                  <c:v>0.5</c:v>
                 </c:pt>
               </c:numCache>
             </c:numRef>
@@ -7481,7 +7491,7 @@
               <a:pPr>
                 <a:defRPr/>
               </a:pPr>
-              <a:t>2/24/2018</a:t>
+              <a:t>2/25/2019</a:t>
             </a:fld>
             <a:endParaRPr/>
           </a:p>
@@ -7701,7 +7711,7 @@
               <a:pPr>
                 <a:defRPr/>
               </a:pPr>
-              <a:t>2/24/2018</a:t>
+              <a:t>2/25/2019</a:t>
             </a:fld>
             <a:endParaRPr/>
           </a:p>
@@ -8304,7 +8314,7 @@
               <a:pPr>
                 <a:defRPr/>
               </a:pPr>
-              <a:t>2/24/2018</a:t>
+              <a:t>2/25/2019</a:t>
             </a:fld>
             <a:endParaRPr/>
           </a:p>
@@ -8558,7 +8568,7 @@
               <a:pPr>
                 <a:defRPr/>
               </a:pPr>
-              <a:t>2/24/2018</a:t>
+              <a:t>2/25/2019</a:t>
             </a:fld>
             <a:endParaRPr/>
           </a:p>
@@ -8770,7 +8780,7 @@
               <a:pPr>
                 <a:defRPr/>
               </a:pPr>
-              <a:t>2/24/2018</a:t>
+              <a:t>2/25/2019</a:t>
             </a:fld>
             <a:endParaRPr/>
           </a:p>
@@ -8953,7 +8963,7 @@
               <a:pPr>
                 <a:defRPr/>
               </a:pPr>
-              <a:t>2/24/2018</a:t>
+              <a:t>2/25/2019</a:t>
             </a:fld>
             <a:endParaRPr/>
           </a:p>
@@ -9196,7 +9206,7 @@
               <a:pPr>
                 <a:defRPr/>
               </a:pPr>
-              <a:t>2/24/2018</a:t>
+              <a:t>2/25/2019</a:t>
             </a:fld>
             <a:endParaRPr/>
           </a:p>
@@ -9625,7 +9635,7 @@
               <a:pPr>
                 <a:defRPr/>
               </a:pPr>
-              <a:t>2/24/2018</a:t>
+              <a:t>2/25/2019</a:t>
             </a:fld>
             <a:endParaRPr/>
           </a:p>
@@ -10037,7 +10047,7 @@
               <a:pPr>
                 <a:defRPr/>
               </a:pPr>
-              <a:t>2/24/2018</a:t>
+              <a:t>2/25/2019</a:t>
             </a:fld>
             <a:endParaRPr/>
           </a:p>
@@ -10153,7 +10163,7 @@
               <a:pPr>
                 <a:defRPr/>
               </a:pPr>
-              <a:t>2/24/2018</a:t>
+              <a:t>2/25/2019</a:t>
             </a:fld>
             <a:endParaRPr/>
           </a:p>
@@ -10269,7 +10279,7 @@
               <a:pPr>
                 <a:defRPr/>
               </a:pPr>
-              <a:t>2/24/2018</a:t>
+              <a:t>2/25/2019</a:t>
             </a:fld>
             <a:endParaRPr/>
           </a:p>
@@ -10541,7 +10551,7 @@
               <a:pPr>
                 <a:defRPr/>
               </a:pPr>
-              <a:t>2/24/2018</a:t>
+              <a:t>2/25/2019</a:t>
             </a:fld>
             <a:endParaRPr/>
           </a:p>
@@ -10809,7 +10819,7 @@
               <a:pPr>
                 <a:defRPr/>
               </a:pPr>
-              <a:t>2/24/2018</a:t>
+              <a:t>2/25/2019</a:t>
             </a:fld>
             <a:endParaRPr/>
           </a:p>
@@ -10991,7 +11001,7 @@
               <a:pPr>
                 <a:defRPr/>
               </a:pPr>
-              <a:t>2/24/2018</a:t>
+              <a:t>2/25/2019</a:t>
             </a:fld>
             <a:endParaRPr/>
           </a:p>
@@ -11755,14 +11765,14 @@
           <a:lstStyle/>
           <a:p>
             <a:r>
-              <a:rPr lang="en-US" altLang="zh-CN" dirty="0">
+              <a:rPr lang="en-US" altLang="zh-CN">
                 <a:latin typeface="微软雅黑" pitchFamily="34" charset="-122"/>
                 <a:ea typeface="微软雅黑" pitchFamily="34" charset="-122"/>
               </a:rPr>
               <a:t>C</a:t>
             </a:r>
             <a:r>
-              <a:rPr lang="zh-CN" altLang="en-US" dirty="0">
+              <a:rPr lang="zh-CN" altLang="en-US">
                 <a:latin typeface="微软雅黑" pitchFamily="34" charset="-122"/>
                 <a:ea typeface="微软雅黑" pitchFamily="34" charset="-122"/>
               </a:rPr>
@@ -12904,9 +12914,7 @@
               <a:r>
                 <a:rPr lang="zh-CN" altLang="en-US" sz="3200" b="1">
                   <a:solidFill>
-                    <a:schemeClr val="tx1">
-                      <a:lumMod val="50000"/>
-                    </a:schemeClr>
+                    <a:srgbClr val="000000"/>
                   </a:solidFill>
                   <a:latin typeface="微软雅黑" pitchFamily="34" charset="-122"/>
                   <a:ea typeface="微软雅黑" pitchFamily="34" charset="-122"/>
@@ -12914,6 +12922,11 @@
                 </a:rPr>
                 <a:t>高级技术</a:t>
               </a:r>
+              <a:endParaRPr lang="zh-CN" altLang="en-US" sz="3200" b="1">
+                <a:latin typeface="微软雅黑" pitchFamily="34" charset="-122"/>
+                <a:ea typeface="微软雅黑" pitchFamily="34" charset="-122"/>
+                <a:cs typeface="Consolas" pitchFamily="49" charset="0"/>
+              </a:endParaRPr>
             </a:p>
           </p:txBody>
         </p:sp>
@@ -13153,8 +13166,8 @@
             </p:nvSpPr>
             <p:spPr bwMode="gray">
               <a:xfrm>
-                <a:off x="735" y="2323"/>
-                <a:ext cx="813" cy="349"/>
+                <a:off x="787" y="2323"/>
+                <a:ext cx="709" cy="643"/>
               </a:xfrm>
               <a:prstGeom prst="rect">
                 <a:avLst/>
@@ -13175,24 +13188,31 @@
               <a:p>
                 <a:pPr algn="ctr"/>
                 <a:r>
-                  <a:rPr lang="en-US" altLang="zh-CN" sz="3200" b="1">
+                  <a:rPr lang="en-US" altLang="zh-CN" sz="3200" b="1" dirty="0">
                     <a:solidFill>
-                      <a:schemeClr val="tx1">
-                        <a:lumMod val="50000"/>
-                      </a:schemeClr>
+                      <a:srgbClr val="000000"/>
                     </a:solidFill>
                     <a:latin typeface="Consolas" pitchFamily="49" charset="0"/>
                     <a:ea typeface="宋体" pitchFamily="2" charset="-122"/>
                     <a:cs typeface="Consolas" pitchFamily="49" charset="0"/>
                   </a:rPr>
-                  <a:t>C#/Java</a:t>
+                  <a:t>Python</a:t>
                 </a:r>
-                <a:endParaRPr lang="zh-CN" altLang="en-US" sz="3200" b="1">
-                  <a:solidFill>
-                    <a:schemeClr val="tx1">
-                      <a:lumMod val="50000"/>
-                    </a:schemeClr>
-                  </a:solidFill>
+              </a:p>
+              <a:p>
+                <a:pPr algn="ctr"/>
+                <a:r>
+                  <a:rPr lang="en-US" altLang="zh-CN" sz="3200" b="1" dirty="0">
+                    <a:solidFill>
+                      <a:srgbClr val="000000"/>
+                    </a:solidFill>
+                    <a:latin typeface="Consolas" pitchFamily="49" charset="0"/>
+                    <a:ea typeface="宋体" pitchFamily="2" charset="-122"/>
+                    <a:cs typeface="Consolas" pitchFamily="49" charset="0"/>
+                  </a:rPr>
+                  <a:t>JS</a:t>
+                </a:r>
+                <a:endParaRPr lang="zh-CN" altLang="en-US" sz="3200" b="1" dirty="0">
                   <a:latin typeface="Consolas" pitchFamily="49" charset="0"/>
                   <a:ea typeface="宋体" pitchFamily="2" charset="-122"/>
                   <a:cs typeface="Consolas" pitchFamily="49" charset="0"/>
@@ -13421,8 +13441,8 @@
           </p:nvSpPr>
           <p:spPr bwMode="gray">
             <a:xfrm>
-              <a:off x="2223369" y="1873096"/>
-              <a:ext cx="862737" cy="584775"/>
+              <a:off x="2110360" y="1873096"/>
+              <a:ext cx="1088760" cy="584775"/>
             </a:xfrm>
             <a:prstGeom prst="rect">
               <a:avLst/>
@@ -13443,24 +13463,17 @@
             <a:p>
               <a:pPr algn="ctr"/>
               <a:r>
-                <a:rPr lang="en-US" altLang="zh-CN" sz="3200" b="1">
+                <a:rPr lang="en-US" altLang="zh-CN" sz="3200" b="1" dirty="0">
                   <a:solidFill>
-                    <a:schemeClr val="tx1">
-                      <a:lumMod val="50000"/>
-                    </a:schemeClr>
+                    <a:srgbClr val="000000"/>
                   </a:solidFill>
                   <a:latin typeface="Consolas" pitchFamily="49" charset="0"/>
                   <a:ea typeface="宋体" pitchFamily="2" charset="-122"/>
                   <a:cs typeface="Consolas" pitchFamily="49" charset="0"/>
                 </a:rPr>
-                <a:t>C++</a:t>
+                <a:t>JAVA</a:t>
               </a:r>
-              <a:endParaRPr lang="en-US" altLang="zh-CN" sz="3200">
-                <a:solidFill>
-                  <a:schemeClr val="tx1">
-                    <a:lumMod val="50000"/>
-                  </a:schemeClr>
-                </a:solidFill>
+              <a:endParaRPr lang="en-US" altLang="zh-CN" sz="3200" dirty="0">
                 <a:latin typeface="Consolas" pitchFamily="49" charset="0"/>
                 <a:ea typeface="宋体" pitchFamily="2" charset="-122"/>
                 <a:cs typeface="Consolas" pitchFamily="49" charset="0"/>
@@ -13765,49 +13778,6 @@
           <a:chExt cx="0" cy="0"/>
         </a:xfrm>
       </p:grpSpPr>
-      <p:pic>
-        <p:nvPicPr>
-          <p:cNvPr id="3" name="图片 2"/>
-          <p:cNvPicPr>
-            <a:picLocks noChangeAspect="1"/>
-          </p:cNvPicPr>
-          <p:nvPr/>
-        </p:nvPicPr>
-        <p:blipFill>
-          <a:blip r:embed="rId2">
-            <a:extLst>
-              <a:ext uri="{BEBA8EAE-BF5A-486C-A8C5-ECC9F3942E4B}">
-                <a14:imgProps xmlns:a14="http://schemas.microsoft.com/office/drawing/2010/main">
-                  <a14:imgLayer r:embed="rId3">
-                    <a14:imgEffect>
-                      <a14:sharpenSoften amount="50000"/>
-                    </a14:imgEffect>
-                  </a14:imgLayer>
-                </a14:imgProps>
-              </a:ext>
-            </a:extLst>
-          </a:blip>
-          <a:stretch>
-            <a:fillRect/>
-          </a:stretch>
-        </p:blipFill>
-        <p:spPr>
-          <a:xfrm>
-            <a:off x="1269875" y="1340767"/>
-            <a:ext cx="10229305" cy="4482505"/>
-          </a:xfrm>
-          <a:prstGeom prst="rect">
-            <a:avLst/>
-          </a:prstGeom>
-          <a:effectLst>
-            <a:outerShdw blurRad="50800" dist="38100" dir="2700000" algn="tl" rotWithShape="0">
-              <a:prstClr val="black">
-                <a:alpha val="40000"/>
-              </a:prstClr>
-            </a:outerShdw>
-          </a:effectLst>
-        </p:spPr>
-      </p:pic>
       <p:sp>
         <p:nvSpPr>
           <p:cNvPr id="2" name="标题 1"/>
@@ -13891,16 +13861,48 @@
           </a:p>
         </p:txBody>
       </p:sp>
+      <p:pic>
+        <p:nvPicPr>
+          <p:cNvPr id="5" name="图片 4">
+            <a:extLst>
+              <a:ext uri="{FF2B5EF4-FFF2-40B4-BE49-F238E27FC236}">
+                <a16:creationId xmlns:a16="http://schemas.microsoft.com/office/drawing/2014/main" id="{C99ADAE0-257D-4DF7-A74E-4BD85B34AB98}"/>
+              </a:ext>
+            </a:extLst>
+          </p:cNvPr>
+          <p:cNvPicPr>
+            <a:picLocks noChangeAspect="1"/>
+          </p:cNvPicPr>
+          <p:nvPr/>
+        </p:nvPicPr>
+        <p:blipFill>
+          <a:blip r:embed="rId2"/>
+          <a:stretch>
+            <a:fillRect/>
+          </a:stretch>
+        </p:blipFill>
+        <p:spPr>
+          <a:xfrm>
+            <a:off x="1171667" y="1259882"/>
+            <a:ext cx="11017158" cy="4770537"/>
+          </a:xfrm>
+          <a:prstGeom prst="rect">
+            <a:avLst/>
+          </a:prstGeom>
+        </p:spPr>
+      </p:pic>
       <p:cxnSp>
         <p:nvCxnSpPr>
           <p:cNvPr id="6" name="直接连接符 5"/>
-          <p:cNvCxnSpPr/>
+          <p:cNvCxnSpPr>
+            <a:cxnSpLocks/>
+          </p:cNvCxnSpPr>
           <p:nvPr/>
         </p:nvCxnSpPr>
         <p:spPr>
           <a:xfrm>
             <a:off x="1139332" y="2491308"/>
-            <a:ext cx="10571704" cy="1588"/>
+            <a:ext cx="11049493" cy="0"/>
           </a:xfrm>
           <a:prstGeom prst="line">
             <a:avLst/>
@@ -14047,49 +14049,6 @@
           <a:chExt cx="0" cy="0"/>
         </a:xfrm>
       </p:grpSpPr>
-      <p:pic>
-        <p:nvPicPr>
-          <p:cNvPr id="3" name="图片 2"/>
-          <p:cNvPicPr>
-            <a:picLocks noChangeAspect="1"/>
-          </p:cNvPicPr>
-          <p:nvPr/>
-        </p:nvPicPr>
-        <p:blipFill>
-          <a:blip r:embed="rId2">
-            <a:extLst>
-              <a:ext uri="{BEBA8EAE-BF5A-486C-A8C5-ECC9F3942E4B}">
-                <a14:imgProps xmlns:a14="http://schemas.microsoft.com/office/drawing/2010/main">
-                  <a14:imgLayer r:embed="rId3">
-                    <a14:imgEffect>
-                      <a14:sharpenSoften amount="50000"/>
-                    </a14:imgEffect>
-                  </a14:imgLayer>
-                </a14:imgProps>
-              </a:ext>
-            </a:extLst>
-          </a:blip>
-          <a:stretch>
-            <a:fillRect/>
-          </a:stretch>
-        </p:blipFill>
-        <p:spPr>
-          <a:xfrm>
-            <a:off x="1730898" y="1074281"/>
-            <a:ext cx="9646095" cy="4658203"/>
-          </a:xfrm>
-          <a:prstGeom prst="rect">
-            <a:avLst/>
-          </a:prstGeom>
-          <a:effectLst>
-            <a:outerShdw blurRad="50800" dist="38100" dir="2700000" algn="tl" rotWithShape="0">
-              <a:prstClr val="black">
-                <a:alpha val="40000"/>
-              </a:prstClr>
-            </a:outerShdw>
-          </a:effectLst>
-        </p:spPr>
-      </p:pic>
       <p:sp>
         <p:nvSpPr>
           <p:cNvPr id="2" name="标题 1"/>
@@ -14117,7 +14076,7 @@
       <p:sp>
         <p:nvSpPr>
           <p:cNvPr id="5" name="Rectangle 8">
-            <a:hlinkClick r:id="rId4"/>
+            <a:hlinkClick r:id="rId2"/>
           </p:cNvPr>
           <p:cNvSpPr txBox="1">
             <a:spLocks noChangeArrowheads="1"/>
@@ -14157,7 +14116,7 @@
               <a:defRPr/>
             </a:pPr>
             <a:r>
-              <a:rPr lang="en-US" altLang="zh-CN" sz="3200">
+              <a:rPr lang="en-US" altLang="zh-CN" sz="3200" dirty="0">
                 <a:solidFill>
                   <a:schemeClr val="accent2">
                     <a:lumMod val="50000"/>
@@ -14185,40 +14144,6 @@
               <a:ea typeface="宋体" pitchFamily="2" charset="-122"/>
               <a:cs typeface="Consolas" pitchFamily="49" charset="0"/>
             </a:endParaRPr>
-          </a:p>
-        </p:txBody>
-      </p:sp>
-      <p:sp>
-        <p:nvSpPr>
-          <p:cNvPr id="6" name="Line 9"/>
-          <p:cNvSpPr>
-            <a:spLocks noChangeShapeType="1"/>
-          </p:cNvSpPr>
-          <p:nvPr/>
-        </p:nvSpPr>
-        <p:spPr bwMode="auto">
-          <a:xfrm>
-            <a:off x="1485901" y="2780928"/>
-            <a:ext cx="834934" cy="219444"/>
-          </a:xfrm>
-          <a:prstGeom prst="line">
-            <a:avLst/>
-          </a:prstGeom>
-          <a:noFill/>
-          <a:ln w="44450">
-            <a:solidFill>
-              <a:srgbClr val="FF0000"/>
-            </a:solidFill>
-            <a:round/>
-            <a:headEnd/>
-            <a:tailEnd type="triangle" w="med" len="med"/>
-          </a:ln>
-        </p:spPr>
-        <p:txBody>
-          <a:bodyPr/>
-          <a:lstStyle/>
-          <a:p>
-            <a:endParaRPr lang="zh-CN" altLang="en-US"/>
           </a:p>
         </p:txBody>
       </p:sp>
@@ -14282,6 +14207,70 @@
               <a:latin typeface="微软雅黑" pitchFamily="34" charset="-122"/>
               <a:ea typeface="微软雅黑" pitchFamily="34" charset="-122"/>
             </a:endParaRPr>
+          </a:p>
+        </p:txBody>
+      </p:sp>
+      <p:pic>
+        <p:nvPicPr>
+          <p:cNvPr id="4" name="图片 3">
+            <a:extLst>
+              <a:ext uri="{FF2B5EF4-FFF2-40B4-BE49-F238E27FC236}">
+                <a16:creationId xmlns:a16="http://schemas.microsoft.com/office/drawing/2014/main" id="{B42FE9DF-898E-469D-A5FB-967CFB31720E}"/>
+              </a:ext>
+            </a:extLst>
+          </p:cNvPr>
+          <p:cNvPicPr>
+            <a:picLocks noChangeAspect="1"/>
+          </p:cNvPicPr>
+          <p:nvPr/>
+        </p:nvPicPr>
+        <p:blipFill>
+          <a:blip r:embed="rId3"/>
+          <a:stretch>
+            <a:fillRect/>
+          </a:stretch>
+        </p:blipFill>
+        <p:spPr>
+          <a:xfrm>
+            <a:off x="1638397" y="1196752"/>
+            <a:ext cx="9568583" cy="4571762"/>
+          </a:xfrm>
+          <a:prstGeom prst="rect">
+            <a:avLst/>
+          </a:prstGeom>
+        </p:spPr>
+      </p:pic>
+      <p:sp>
+        <p:nvSpPr>
+          <p:cNvPr id="6" name="Line 9"/>
+          <p:cNvSpPr>
+            <a:spLocks noChangeShapeType="1"/>
+          </p:cNvSpPr>
+          <p:nvPr/>
+        </p:nvSpPr>
+        <p:spPr bwMode="auto">
+          <a:xfrm>
+            <a:off x="1485901" y="2780928"/>
+            <a:ext cx="834934" cy="219444"/>
+          </a:xfrm>
+          <a:prstGeom prst="line">
+            <a:avLst/>
+          </a:prstGeom>
+          <a:noFill/>
+          <a:ln w="44450">
+            <a:solidFill>
+              <a:srgbClr val="FF0000"/>
+            </a:solidFill>
+            <a:round/>
+            <a:headEnd/>
+            <a:tailEnd type="triangle" w="med" len="med"/>
+          </a:ln>
+        </p:spPr>
+        <p:txBody>
+          <a:bodyPr/>
+          <a:lstStyle/>
+          <a:p>
+            <a:endParaRPr lang="zh-CN" altLang="en-US"/>
           </a:p>
         </p:txBody>
       </p:sp>
@@ -15022,7 +15011,7 @@
         </p:nvSpPr>
         <p:spPr bwMode="auto">
           <a:xfrm>
-            <a:off x="477788" y="1196752"/>
+            <a:off x="847972" y="1484784"/>
             <a:ext cx="10287000" cy="4464496"/>
           </a:xfrm>
           <a:prstGeom prst="rect">
@@ -15238,13 +15227,13 @@
           </a:lstStyle>
           <a:p>
             <a:r>
-              <a:rPr lang="zh-CN" altLang="en-US" sz="3200">
+              <a:rPr lang="zh-CN" altLang="en-US">
                 <a:latin typeface="微软雅黑" pitchFamily="34" charset="-122"/>
                 <a:ea typeface="微软雅黑" pitchFamily="34" charset="-122"/>
               </a:rPr>
               <a:t>课程教材及参考资料：</a:t>
             </a:r>
-            <a:endParaRPr lang="en-US" altLang="zh-CN" sz="3200">
+            <a:endParaRPr lang="en-US" altLang="zh-CN">
               <a:latin typeface="微软雅黑" pitchFamily="34" charset="-122"/>
               <a:ea typeface="微软雅黑" pitchFamily="34" charset="-122"/>
             </a:endParaRPr>
@@ -15252,20 +15241,20 @@
           <a:p>
             <a:pPr lvl="1"/>
             <a:r>
-              <a:rPr lang="en-US" altLang="zh-CN" sz="2800" b="1">
+              <a:rPr lang="en-US" altLang="zh-CN" b="1">
                 <a:latin typeface="微软雅黑" pitchFamily="34" charset="-122"/>
                 <a:ea typeface="微软雅黑" pitchFamily="34" charset="-122"/>
               </a:rPr>
               <a:t>C</a:t>
             </a:r>
             <a:r>
-              <a:rPr lang="zh-CN" altLang="en-US" sz="2800" b="1">
+              <a:rPr lang="zh-CN" altLang="en-US" b="1">
                 <a:latin typeface="微软雅黑" pitchFamily="34" charset="-122"/>
                 <a:ea typeface="微软雅黑" pitchFamily="34" charset="-122"/>
               </a:rPr>
               <a:t>语言程序设计</a:t>
             </a:r>
-            <a:endParaRPr lang="en-US" altLang="zh-CN" sz="2800">
+            <a:endParaRPr lang="en-US" altLang="zh-CN">
               <a:latin typeface="微软雅黑" pitchFamily="34" charset="-122"/>
               <a:ea typeface="微软雅黑" pitchFamily="34" charset="-122"/>
             </a:endParaRPr>
@@ -15273,7 +15262,7 @@
           <a:p>
             <a:pPr lvl="1"/>
             <a:r>
-              <a:rPr lang="en-US" altLang="zh-CN" sz="2800" b="1">
+              <a:rPr lang="en-US" altLang="zh-CN" b="1">
                 <a:latin typeface="微软雅黑" pitchFamily="34" charset="-122"/>
                 <a:ea typeface="微软雅黑" pitchFamily="34" charset="-122"/>
               </a:rPr>
@@ -15283,13 +15272,13 @@
           <a:p>
             <a:pPr lvl="1"/>
             <a:r>
-              <a:rPr lang="zh-CN" altLang="en-US" sz="2800">
+              <a:rPr lang="zh-CN" altLang="en-US">
                 <a:latin typeface="微软雅黑" pitchFamily="34" charset="-122"/>
                 <a:ea typeface="微软雅黑" pitchFamily="34" charset="-122"/>
               </a:rPr>
               <a:t>高质量程序设计指南</a:t>
             </a:r>
-            <a:endParaRPr lang="en-US" altLang="zh-CN" sz="2800">
+            <a:endParaRPr lang="en-US" altLang="zh-CN">
               <a:latin typeface="微软雅黑" pitchFamily="34" charset="-122"/>
               <a:ea typeface="微软雅黑" pitchFamily="34" charset="-122"/>
             </a:endParaRPr>
@@ -15297,20 +15286,20 @@
           <a:p>
             <a:pPr lvl="1"/>
             <a:r>
-              <a:rPr lang="en-US" altLang="zh-CN" sz="2800">
+              <a:rPr lang="en-US" altLang="zh-CN">
                 <a:latin typeface="微软雅黑" pitchFamily="34" charset="-122"/>
                 <a:ea typeface="微软雅黑" pitchFamily="34" charset="-122"/>
               </a:rPr>
               <a:t>C</a:t>
             </a:r>
             <a:r>
-              <a:rPr lang="zh-CN" altLang="en-US" sz="2800">
+              <a:rPr lang="zh-CN" altLang="en-US">
                 <a:latin typeface="微软雅黑" pitchFamily="34" charset="-122"/>
                 <a:ea typeface="微软雅黑" pitchFamily="34" charset="-122"/>
               </a:rPr>
               <a:t>专家编程</a:t>
             </a:r>
-            <a:endParaRPr lang="en-US" altLang="zh-CN" sz="2800">
+            <a:endParaRPr lang="en-US" altLang="zh-CN">
               <a:latin typeface="微软雅黑" pitchFamily="34" charset="-122"/>
               <a:ea typeface="微软雅黑" pitchFamily="34" charset="-122"/>
             </a:endParaRPr>
@@ -15318,20 +15307,20 @@
           <a:p>
             <a:pPr lvl="1"/>
             <a:r>
-              <a:rPr lang="en-US" altLang="zh-CN" sz="2800">
+              <a:rPr lang="en-US" altLang="zh-CN">
                 <a:latin typeface="微软雅黑" pitchFamily="34" charset="-122"/>
                 <a:ea typeface="微软雅黑" pitchFamily="34" charset="-122"/>
               </a:rPr>
               <a:t>C</a:t>
             </a:r>
             <a:r>
-              <a:rPr lang="zh-CN" altLang="en-US" sz="2800">
+              <a:rPr lang="zh-CN" altLang="en-US">
                 <a:latin typeface="微软雅黑" pitchFamily="34" charset="-122"/>
                 <a:ea typeface="微软雅黑" pitchFamily="34" charset="-122"/>
               </a:rPr>
               <a:t>和指针</a:t>
             </a:r>
-            <a:endParaRPr lang="en-US" altLang="zh-CN" sz="2800">
+            <a:endParaRPr lang="en-US" altLang="zh-CN">
               <a:latin typeface="微软雅黑" pitchFamily="34" charset="-122"/>
               <a:ea typeface="微软雅黑" pitchFamily="34" charset="-122"/>
             </a:endParaRPr>
@@ -15339,20 +15328,20 @@
           <a:p>
             <a:pPr lvl="1"/>
             <a:r>
-              <a:rPr lang="en-US" altLang="zh-CN" sz="2800">
+              <a:rPr lang="en-US" altLang="zh-CN">
                 <a:latin typeface="微软雅黑" pitchFamily="34" charset="-122"/>
                 <a:ea typeface="微软雅黑" pitchFamily="34" charset="-122"/>
               </a:rPr>
               <a:t>C</a:t>
             </a:r>
             <a:r>
-              <a:rPr lang="zh-CN" altLang="en-US" sz="2800">
+              <a:rPr lang="zh-CN" altLang="en-US">
                 <a:latin typeface="微软雅黑" pitchFamily="34" charset="-122"/>
                 <a:ea typeface="微软雅黑" pitchFamily="34" charset="-122"/>
               </a:rPr>
               <a:t>语言百度贴吧</a:t>
             </a:r>
-            <a:endParaRPr lang="en-US" altLang="zh-CN" sz="2800" dirty="0">
+            <a:endParaRPr lang="en-US" altLang="zh-CN" dirty="0">
               <a:latin typeface="微软雅黑" pitchFamily="34" charset="-122"/>
               <a:ea typeface="微软雅黑" pitchFamily="34" charset="-122"/>
             </a:endParaRPr>
@@ -15867,7 +15856,7 @@
           <p:nvPr>
             <p:extLst>
               <p:ext uri="{D42A27DB-BD31-4B8C-83A1-F6EECF244321}">
-                <p14:modId xmlns:p14="http://schemas.microsoft.com/office/powerpoint/2010/main" val="2954485605"/>
+                <p14:modId xmlns:p14="http://schemas.microsoft.com/office/powerpoint/2010/main" val="803046678"/>
               </p:ext>
             </p:extLst>
           </p:nvPr>
@@ -16111,7 +16100,7 @@
               <a:buNone/>
             </a:pPr>
             <a:r>
-              <a:rPr lang="en-US" altLang="zh-CN" sz="5400" b="1" spc="600">
+              <a:rPr lang="en-US" altLang="zh-CN" sz="5400" b="1" spc="600" dirty="0">
                 <a:solidFill>
                   <a:schemeClr val="bg2">
                     <a:lumMod val="50000"/>
@@ -16120,10 +16109,10 @@
                 <a:latin typeface="微软雅黑" pitchFamily="34" charset="-122"/>
                 <a:ea typeface="微软雅黑" pitchFamily="34" charset="-122"/>
               </a:rPr>
-              <a:t>3.5</a:t>
+              <a:t>4</a:t>
             </a:r>
             <a:r>
-              <a:rPr lang="zh-CN" altLang="en-US" sz="5400" b="1" spc="600">
+              <a:rPr lang="zh-CN" altLang="en-US" sz="5400" b="1" spc="600" dirty="0">
                 <a:solidFill>
                   <a:schemeClr val="bg2">
                     <a:lumMod val="50000"/>
@@ -16134,7 +16123,7 @@
               </a:rPr>
               <a:t>学分</a:t>
             </a:r>
-            <a:endParaRPr lang="en-US" altLang="zh-CN" sz="5400" b="1" spc="600">
+            <a:endParaRPr lang="en-US" altLang="zh-CN" sz="5400" b="1" spc="600" dirty="0">
               <a:solidFill>
                 <a:schemeClr val="bg2">
                   <a:lumMod val="50000"/>

--- a/materials/slides/chapt00.pptx
+++ b/materials/slides/chapt00.pptx
@@ -18,7 +18,7 @@
     <p:sldId id="306" r:id="rId6"/>
     <p:sldId id="307" r:id="rId7"/>
     <p:sldId id="308" r:id="rId8"/>
-    <p:sldId id="309" r:id="rId9"/>
+    <p:sldId id="311" r:id="rId9"/>
     <p:sldId id="310" r:id="rId10"/>
     <p:sldId id="298" r:id="rId11"/>
   </p:sldIdLst>
@@ -239,8 +239,8 @@
               <c:idx val="0"/>
               <c:layout>
                 <c:manualLayout>
-                  <c:x val="-0.19967547465486291"/>
-                  <c:y val="9.9766850400460558E-2"/>
+                  <c:x val="-0.21081458785281168"/>
+                  <c:y val="0.18394310354405066"/>
                 </c:manualLayout>
               </c:layout>
               <c:tx>
@@ -269,12 +269,20 @@
 </a:t>
                     </a:r>
                     <a:r>
+                      <a:rPr lang="en-US" altLang="zh-CN" smtClean="0">
+                        <a:solidFill>
+                          <a:schemeClr val="bg1"/>
+                        </a:solidFill>
+                      </a:rPr>
+                      <a:t>30</a:t>
+                    </a:r>
+                    <a:r>
                       <a:rPr lang="en-US" altLang="zh-CN">
                         <a:solidFill>
                           <a:schemeClr val="bg1"/>
                         </a:solidFill>
                       </a:rPr>
-                      <a:t>40%</a:t>
+                      <a:t>%</a:t>
                     </a:r>
                   </a:p>
                 </c:rich>
@@ -287,7 +295,9 @@
               <c:showPercent val="1"/>
               <c:showBubbleSize val="0"/>
               <c:extLst>
-                <c:ext xmlns:c15="http://schemas.microsoft.com/office/drawing/2012/chart" uri="{CE6537A1-D6FC-4f65-9D91-7224C49458BB}"/>
+                <c:ext xmlns:c15="http://schemas.microsoft.com/office/drawing/2012/chart" uri="{CE6537A1-D6FC-4f65-9D91-7224C49458BB}">
+                  <c15:layout/>
+                </c:ext>
                 <c:ext xmlns:c16="http://schemas.microsoft.com/office/drawing/2014/chart" uri="{C3380CC4-5D6E-409C-BE32-E72D297353CC}">
                   <c16:uniqueId val="{00000001-A635-4112-94EE-3ADC5D551B9C}"/>
                 </c:ext>
@@ -297,8 +307,8 @@
               <c:idx val="1"/>
               <c:layout>
                 <c:manualLayout>
-                  <c:x val="0.36669229734707842"/>
-                  <c:y val="-0.51883392375594628"/>
+                  <c:x val="-0.20741540413638251"/>
+                  <c:y val="-0.20417507271919288"/>
                 </c:manualLayout>
               </c:layout>
               <c:tx>
@@ -327,18 +337,21 @@
 </a:t>
                     </a:r>
                     <a:r>
+                      <a:rPr lang="en-US" altLang="zh-CN" smtClean="0">
+                        <a:solidFill>
+                          <a:schemeClr val="bg1"/>
+                        </a:solidFill>
+                      </a:rPr>
+                      <a:t>15</a:t>
+                    </a:r>
+                    <a:r>
                       <a:rPr lang="en-US" altLang="zh-CN">
                         <a:solidFill>
                           <a:schemeClr val="bg1"/>
                         </a:solidFill>
                       </a:rPr>
-                      <a:t>5%</a:t>
+                      <a:t>%</a:t>
                     </a:r>
-                    <a:endParaRPr lang="zh-CN" altLang="en-US">
-                      <a:solidFill>
-                        <a:schemeClr val="bg1"/>
-                      </a:solidFill>
-                    </a:endParaRPr>
                   </a:p>
                 </c:rich>
               </c:tx>
@@ -350,7 +363,9 @@
               <c:showPercent val="1"/>
               <c:showBubbleSize val="0"/>
               <c:extLst>
-                <c:ext xmlns:c15="http://schemas.microsoft.com/office/drawing/2012/chart" uri="{CE6537A1-D6FC-4f65-9D91-7224C49458BB}"/>
+                <c:ext xmlns:c15="http://schemas.microsoft.com/office/drawing/2012/chart" uri="{CE6537A1-D6FC-4f65-9D91-7224C49458BB}">
+                  <c15:layout/>
+                </c:ext>
                 <c:ext xmlns:c16="http://schemas.microsoft.com/office/drawing/2014/chart" uri="{C3380CC4-5D6E-409C-BE32-E72D297353CC}">
                   <c16:uniqueId val="{00000002-A635-4112-94EE-3ADC5D551B9C}"/>
                 </c:ext>
@@ -360,8 +375,8 @@
               <c:idx val="2"/>
               <c:layout>
                 <c:manualLayout>
-                  <c:x val="-6.3674211637303454E-2"/>
-                  <c:y val="0.52452678869014546"/>
+                  <c:x val="0.18193884889982984"/>
+                  <c:y val="-7.9530778145862582E-2"/>
                 </c:manualLayout>
               </c:layout>
               <c:tx>
@@ -397,11 +412,6 @@
                       </a:rPr>
                       <a:t>55%</a:t>
                     </a:r>
-                    <a:endParaRPr lang="zh-CN" altLang="en-US">
-                      <a:solidFill>
-                        <a:schemeClr val="bg1"/>
-                      </a:solidFill>
-                    </a:endParaRPr>
                   </a:p>
                 </c:rich>
               </c:tx>
@@ -413,7 +423,9 @@
               <c:showPercent val="1"/>
               <c:showBubbleSize val="0"/>
               <c:extLst>
-                <c:ext xmlns:c15="http://schemas.microsoft.com/office/drawing/2012/chart" uri="{CE6537A1-D6FC-4f65-9D91-7224C49458BB}"/>
+                <c:ext xmlns:c15="http://schemas.microsoft.com/office/drawing/2012/chart" uri="{CE6537A1-D6FC-4f65-9D91-7224C49458BB}">
+                  <c15:layout/>
+                </c:ext>
                 <c:ext xmlns:c16="http://schemas.microsoft.com/office/drawing/2014/chart" uri="{C3380CC4-5D6E-409C-BE32-E72D297353CC}">
                   <c16:uniqueId val="{00000000-A635-4112-94EE-3ADC5D551B9C}"/>
                 </c:ext>
@@ -500,13 +512,13 @@
               <c:strCache>
                 <c:ptCount val="3"/>
                 <c:pt idx="0">
-                  <c:v>期末成绩</c:v>
+                  <c:v>期末考试</c:v>
                 </c:pt>
                 <c:pt idx="1">
-                  <c:v>作业成绩</c:v>
+                  <c:v>平时成绩</c:v>
                 </c:pt>
                 <c:pt idx="2">
-                  <c:v>平时成绩</c:v>
+                  <c:v>期中考试</c:v>
                 </c:pt>
               </c:strCache>
             </c:strRef>
@@ -518,13 +530,13 @@
                 <c:formatCode>General</c:formatCode>
                 <c:ptCount val="4"/>
                 <c:pt idx="0">
-                  <c:v>4</c:v>
+                  <c:v>30</c:v>
                 </c:pt>
                 <c:pt idx="1">
-                  <c:v>5.5</c:v>
+                  <c:v>15</c:v>
                 </c:pt>
                 <c:pt idx="2">
-                  <c:v>0.5</c:v>
+                  <c:v>55</c:v>
                 </c:pt>
               </c:numCache>
             </c:numRef>
@@ -2398,18 +2410,46 @@
         </dgm:presLayoutVars>
       </dgm:prSet>
       <dgm:spPr/>
+      <dgm:t>
+        <a:bodyPr/>
+        <a:lstStyle/>
+        <a:p>
+          <a:endParaRPr lang="zh-CN" altLang="en-US"/>
+        </a:p>
+      </dgm:t>
     </dgm:pt>
     <dgm:pt modelId="{5DAD63F1-DE03-4452-94AE-11C982430650}" type="pres">
       <dgm:prSet presAssocID="{D8DBB256-3125-4E4C-AC16-B075241FA54D}" presName="centerShape" presStyleLbl="node0" presStyleIdx="0" presStyleCnt="1"/>
       <dgm:spPr/>
+      <dgm:t>
+        <a:bodyPr/>
+        <a:lstStyle/>
+        <a:p>
+          <a:endParaRPr lang="zh-CN" altLang="en-US"/>
+        </a:p>
+      </dgm:t>
     </dgm:pt>
     <dgm:pt modelId="{A3A98FBD-434D-447E-A6E9-055D98C0FC02}" type="pres">
       <dgm:prSet presAssocID="{9FCCC3C1-AD52-4BF9-8F21-D08EE98D1963}" presName="Name9" presStyleLbl="parChTrans1D2" presStyleIdx="0" presStyleCnt="4"/>
       <dgm:spPr/>
+      <dgm:t>
+        <a:bodyPr/>
+        <a:lstStyle/>
+        <a:p>
+          <a:endParaRPr lang="zh-CN" altLang="en-US"/>
+        </a:p>
+      </dgm:t>
     </dgm:pt>
     <dgm:pt modelId="{4DB15D27-FFCD-448B-BDEE-3F29BB13E6CB}" type="pres">
       <dgm:prSet presAssocID="{9FCCC3C1-AD52-4BF9-8F21-D08EE98D1963}" presName="connTx" presStyleLbl="parChTrans1D2" presStyleIdx="0" presStyleCnt="4"/>
       <dgm:spPr/>
+      <dgm:t>
+        <a:bodyPr/>
+        <a:lstStyle/>
+        <a:p>
+          <a:endParaRPr lang="zh-CN" altLang="en-US"/>
+        </a:p>
+      </dgm:t>
     </dgm:pt>
     <dgm:pt modelId="{9D10EDD6-88D0-4543-AFC8-4E01E7A2C8F5}" type="pres">
       <dgm:prSet presAssocID="{1F0E9DF7-E80E-4E7E-84C2-68F075F03C39}" presName="node" presStyleLbl="node1" presStyleIdx="0" presStyleCnt="4">
@@ -2418,14 +2458,35 @@
         </dgm:presLayoutVars>
       </dgm:prSet>
       <dgm:spPr/>
+      <dgm:t>
+        <a:bodyPr/>
+        <a:lstStyle/>
+        <a:p>
+          <a:endParaRPr lang="zh-CN" altLang="en-US"/>
+        </a:p>
+      </dgm:t>
     </dgm:pt>
     <dgm:pt modelId="{76619A43-EA0E-472D-8D5B-5EDBA1789C7F}" type="pres">
       <dgm:prSet presAssocID="{89EF9EA9-6A05-44E0-BA44-3C6F1421110F}" presName="Name9" presStyleLbl="parChTrans1D2" presStyleIdx="1" presStyleCnt="4"/>
       <dgm:spPr/>
+      <dgm:t>
+        <a:bodyPr/>
+        <a:lstStyle/>
+        <a:p>
+          <a:endParaRPr lang="zh-CN" altLang="en-US"/>
+        </a:p>
+      </dgm:t>
     </dgm:pt>
     <dgm:pt modelId="{99FC7B44-4A06-42FA-A642-05C0BAD25F53}" type="pres">
       <dgm:prSet presAssocID="{89EF9EA9-6A05-44E0-BA44-3C6F1421110F}" presName="connTx" presStyleLbl="parChTrans1D2" presStyleIdx="1" presStyleCnt="4"/>
       <dgm:spPr/>
+      <dgm:t>
+        <a:bodyPr/>
+        <a:lstStyle/>
+        <a:p>
+          <a:endParaRPr lang="zh-CN" altLang="en-US"/>
+        </a:p>
+      </dgm:t>
     </dgm:pt>
     <dgm:pt modelId="{3EEF937F-902E-451B-94D8-8E1A8CF3C144}" type="pres">
       <dgm:prSet presAssocID="{5A6028E7-BAE2-4D15-9DD2-5FC61BA049EF}" presName="node" presStyleLbl="node1" presStyleIdx="1" presStyleCnt="4">
@@ -2434,14 +2495,35 @@
         </dgm:presLayoutVars>
       </dgm:prSet>
       <dgm:spPr/>
+      <dgm:t>
+        <a:bodyPr/>
+        <a:lstStyle/>
+        <a:p>
+          <a:endParaRPr lang="zh-CN" altLang="en-US"/>
+        </a:p>
+      </dgm:t>
     </dgm:pt>
     <dgm:pt modelId="{8C85E666-E0EF-498A-A4C8-254982D596C2}" type="pres">
       <dgm:prSet presAssocID="{205970C5-17DD-4CA1-B5D6-4830F9E3D1A8}" presName="Name9" presStyleLbl="parChTrans1D2" presStyleIdx="2" presStyleCnt="4"/>
       <dgm:spPr/>
+      <dgm:t>
+        <a:bodyPr/>
+        <a:lstStyle/>
+        <a:p>
+          <a:endParaRPr lang="zh-CN" altLang="en-US"/>
+        </a:p>
+      </dgm:t>
     </dgm:pt>
     <dgm:pt modelId="{FA3A5D17-B9FE-428E-B2A3-18A9EBB8D186}" type="pres">
       <dgm:prSet presAssocID="{205970C5-17DD-4CA1-B5D6-4830F9E3D1A8}" presName="connTx" presStyleLbl="parChTrans1D2" presStyleIdx="2" presStyleCnt="4"/>
       <dgm:spPr/>
+      <dgm:t>
+        <a:bodyPr/>
+        <a:lstStyle/>
+        <a:p>
+          <a:endParaRPr lang="zh-CN" altLang="en-US"/>
+        </a:p>
+      </dgm:t>
     </dgm:pt>
     <dgm:pt modelId="{80080A4E-3ED9-4521-8168-2DEF3E95766E}" type="pres">
       <dgm:prSet presAssocID="{C568429E-4FB2-4330-AA97-4A5E913AF3F4}" presName="node" presStyleLbl="node1" presStyleIdx="2" presStyleCnt="4">
@@ -2450,14 +2532,35 @@
         </dgm:presLayoutVars>
       </dgm:prSet>
       <dgm:spPr/>
+      <dgm:t>
+        <a:bodyPr/>
+        <a:lstStyle/>
+        <a:p>
+          <a:endParaRPr lang="zh-CN" altLang="en-US"/>
+        </a:p>
+      </dgm:t>
     </dgm:pt>
     <dgm:pt modelId="{AC8E3AA0-9FAC-4691-B617-2CA496BEE4E5}" type="pres">
       <dgm:prSet presAssocID="{856A28DB-6C14-47F5-8717-227E54F7F754}" presName="Name9" presStyleLbl="parChTrans1D2" presStyleIdx="3" presStyleCnt="4"/>
       <dgm:spPr/>
+      <dgm:t>
+        <a:bodyPr/>
+        <a:lstStyle/>
+        <a:p>
+          <a:endParaRPr lang="zh-CN" altLang="en-US"/>
+        </a:p>
+      </dgm:t>
     </dgm:pt>
     <dgm:pt modelId="{9D869CB9-EB98-4A46-AE33-9DC676A74B18}" type="pres">
       <dgm:prSet presAssocID="{856A28DB-6C14-47F5-8717-227E54F7F754}" presName="connTx" presStyleLbl="parChTrans1D2" presStyleIdx="3" presStyleCnt="4"/>
       <dgm:spPr/>
+      <dgm:t>
+        <a:bodyPr/>
+        <a:lstStyle/>
+        <a:p>
+          <a:endParaRPr lang="zh-CN" altLang="en-US"/>
+        </a:p>
+      </dgm:t>
     </dgm:pt>
     <dgm:pt modelId="{6D8B0381-06D8-47CE-B9BD-3648815683FF}" type="pres">
       <dgm:prSet presAssocID="{77583F9E-607C-4E22-AA19-772A6188CDE0}" presName="node" presStyleLbl="node1" presStyleIdx="3" presStyleCnt="4">
@@ -2466,28 +2569,35 @@
         </dgm:presLayoutVars>
       </dgm:prSet>
       <dgm:spPr/>
+      <dgm:t>
+        <a:bodyPr/>
+        <a:lstStyle/>
+        <a:p>
+          <a:endParaRPr lang="zh-CN" altLang="en-US"/>
+        </a:p>
+      </dgm:t>
     </dgm:pt>
   </dgm:ptLst>
   <dgm:cxnLst>
+    <dgm:cxn modelId="{865B1BF6-957E-40B0-BC6E-2636276535DA}" type="presOf" srcId="{D8DBB256-3125-4E4C-AC16-B075241FA54D}" destId="{5DAD63F1-DE03-4452-94AE-11C982430650}" srcOrd="0" destOrd="0" presId="urn:microsoft.com/office/officeart/2005/8/layout/radial1"/>
+    <dgm:cxn modelId="{D25C9B76-F447-4EE1-BABA-4497154ECD42}" type="presOf" srcId="{9FCCC3C1-AD52-4BF9-8F21-D08EE98D1963}" destId="{4DB15D27-FFCD-448B-BDEE-3F29BB13E6CB}" srcOrd="1" destOrd="0" presId="urn:microsoft.com/office/officeart/2005/8/layout/radial1"/>
+    <dgm:cxn modelId="{28511CB7-383F-4E04-A9B7-69934475810B}" type="presOf" srcId="{47798B14-7499-48EC-983B-C7B2FAE6F7BE}" destId="{06483B5B-9FCD-4D5D-AF03-1CD98938C988}" srcOrd="0" destOrd="0" presId="urn:microsoft.com/office/officeart/2005/8/layout/radial1"/>
     <dgm:cxn modelId="{6949B60D-2435-43AE-91DF-97665553410D}" srcId="{D8DBB256-3125-4E4C-AC16-B075241FA54D}" destId="{1F0E9DF7-E80E-4E7E-84C2-68F075F03C39}" srcOrd="0" destOrd="0" parTransId="{9FCCC3C1-AD52-4BF9-8F21-D08EE98D1963}" sibTransId="{93D07171-D042-4BF3-87E9-1404C033A858}"/>
-    <dgm:cxn modelId="{FD7B581C-29C2-4A41-85AE-D8740FE3BA97}" srcId="{D8DBB256-3125-4E4C-AC16-B075241FA54D}" destId="{C568429E-4FB2-4330-AA97-4A5E913AF3F4}" srcOrd="2" destOrd="0" parTransId="{205970C5-17DD-4CA1-B5D6-4830F9E3D1A8}" sibTransId="{5B3D2DEE-5DD3-49A3-9314-FA7347A240E3}"/>
+    <dgm:cxn modelId="{4C969E46-4C44-4E3E-AAEE-44CBA4BF6AE2}" type="presOf" srcId="{5A6028E7-BAE2-4D15-9DD2-5FC61BA049EF}" destId="{3EEF937F-902E-451B-94D8-8E1A8CF3C144}" srcOrd="0" destOrd="0" presId="urn:microsoft.com/office/officeart/2005/8/layout/radial1"/>
+    <dgm:cxn modelId="{5B1662C5-5B60-455E-9DD3-7853D0ADC130}" type="presOf" srcId="{856A28DB-6C14-47F5-8717-227E54F7F754}" destId="{AC8E3AA0-9FAC-4691-B617-2CA496BEE4E5}" srcOrd="0" destOrd="0" presId="urn:microsoft.com/office/officeart/2005/8/layout/radial1"/>
     <dgm:cxn modelId="{C8D9713E-619C-46D7-B797-1BEE91BF8D5E}" srcId="{D8DBB256-3125-4E4C-AC16-B075241FA54D}" destId="{77583F9E-607C-4E22-AA19-772A6188CDE0}" srcOrd="3" destOrd="0" parTransId="{856A28DB-6C14-47F5-8717-227E54F7F754}" sibTransId="{913D4E09-CD00-4DD2-B56A-E3AEB93BC4F1}"/>
+    <dgm:cxn modelId="{21C83E9A-5865-4FF0-AA0E-B0778CA0BFBA}" type="presOf" srcId="{77583F9E-607C-4E22-AA19-772A6188CDE0}" destId="{6D8B0381-06D8-47CE-B9BD-3648815683FF}" srcOrd="0" destOrd="0" presId="urn:microsoft.com/office/officeart/2005/8/layout/radial1"/>
+    <dgm:cxn modelId="{358FE99C-A548-47F9-B536-4684EC380480}" srcId="{D8DBB256-3125-4E4C-AC16-B075241FA54D}" destId="{5A6028E7-BAE2-4D15-9DD2-5FC61BA049EF}" srcOrd="1" destOrd="0" parTransId="{89EF9EA9-6A05-44E0-BA44-3C6F1421110F}" sibTransId="{3E5F7898-F798-4230-B949-4F5D5D613877}"/>
     <dgm:cxn modelId="{96535842-8851-4058-B39E-489FE3DEF7BE}" type="presOf" srcId="{89EF9EA9-6A05-44E0-BA44-3C6F1421110F}" destId="{99FC7B44-4A06-42FA-A642-05C0BAD25F53}" srcOrd="1" destOrd="0" presId="urn:microsoft.com/office/officeart/2005/8/layout/radial1"/>
-    <dgm:cxn modelId="{DC51AC65-51DE-4C80-9E64-93704121D508}" type="presOf" srcId="{205970C5-17DD-4CA1-B5D6-4830F9E3D1A8}" destId="{8C85E666-E0EF-498A-A4C8-254982D596C2}" srcOrd="0" destOrd="0" presId="urn:microsoft.com/office/officeart/2005/8/layout/radial1"/>
-    <dgm:cxn modelId="{4C969E46-4C44-4E3E-AAEE-44CBA4BF6AE2}" type="presOf" srcId="{5A6028E7-BAE2-4D15-9DD2-5FC61BA049EF}" destId="{3EEF937F-902E-451B-94D8-8E1A8CF3C144}" srcOrd="0" destOrd="0" presId="urn:microsoft.com/office/officeart/2005/8/layout/radial1"/>
-    <dgm:cxn modelId="{C13ADF46-04DB-4C0B-BF77-FA8EAB6AFEA7}" type="presOf" srcId="{205970C5-17DD-4CA1-B5D6-4830F9E3D1A8}" destId="{FA3A5D17-B9FE-428E-B2A3-18A9EBB8D186}" srcOrd="1" destOrd="0" presId="urn:microsoft.com/office/officeart/2005/8/layout/radial1"/>
     <dgm:cxn modelId="{49193453-796D-406B-AFF7-23313849AFDD}" type="presOf" srcId="{1F0E9DF7-E80E-4E7E-84C2-68F075F03C39}" destId="{9D10EDD6-88D0-4543-AFC8-4E01E7A2C8F5}" srcOrd="0" destOrd="0" presId="urn:microsoft.com/office/officeart/2005/8/layout/radial1"/>
-    <dgm:cxn modelId="{D25C9B76-F447-4EE1-BABA-4497154ECD42}" type="presOf" srcId="{9FCCC3C1-AD52-4BF9-8F21-D08EE98D1963}" destId="{4DB15D27-FFCD-448B-BDEE-3F29BB13E6CB}" srcOrd="1" destOrd="0" presId="urn:microsoft.com/office/officeart/2005/8/layout/radial1"/>
+    <dgm:cxn modelId="{C231BEA5-B5B1-4FE1-9535-6AAF1FADDDAD}" type="presOf" srcId="{9FCCC3C1-AD52-4BF9-8F21-D08EE98D1963}" destId="{A3A98FBD-434D-447E-A6E9-055D98C0FC02}" srcOrd="0" destOrd="0" presId="urn:microsoft.com/office/officeart/2005/8/layout/radial1"/>
     <dgm:cxn modelId="{E5F46C94-9E34-491B-86F3-C7AE5701E00E}" type="presOf" srcId="{C568429E-4FB2-4330-AA97-4A5E913AF3F4}" destId="{80080A4E-3ED9-4521-8168-2DEF3E95766E}" srcOrd="0" destOrd="0" presId="urn:microsoft.com/office/officeart/2005/8/layout/radial1"/>
     <dgm:cxn modelId="{AA8CDF98-040F-4264-9B87-D74E88863F2C}" type="presOf" srcId="{89EF9EA9-6A05-44E0-BA44-3C6F1421110F}" destId="{76619A43-EA0E-472D-8D5B-5EDBA1789C7F}" srcOrd="0" destOrd="0" presId="urn:microsoft.com/office/officeart/2005/8/layout/radial1"/>
-    <dgm:cxn modelId="{21C83E9A-5865-4FF0-AA0E-B0778CA0BFBA}" type="presOf" srcId="{77583F9E-607C-4E22-AA19-772A6188CDE0}" destId="{6D8B0381-06D8-47CE-B9BD-3648815683FF}" srcOrd="0" destOrd="0" presId="urn:microsoft.com/office/officeart/2005/8/layout/radial1"/>
-    <dgm:cxn modelId="{358FE99C-A548-47F9-B536-4684EC380480}" srcId="{D8DBB256-3125-4E4C-AC16-B075241FA54D}" destId="{5A6028E7-BAE2-4D15-9DD2-5FC61BA049EF}" srcOrd="1" destOrd="0" parTransId="{89EF9EA9-6A05-44E0-BA44-3C6F1421110F}" sibTransId="{3E5F7898-F798-4230-B949-4F5D5D613877}"/>
-    <dgm:cxn modelId="{C231BEA5-B5B1-4FE1-9535-6AAF1FADDDAD}" type="presOf" srcId="{9FCCC3C1-AD52-4BF9-8F21-D08EE98D1963}" destId="{A3A98FBD-434D-447E-A6E9-055D98C0FC02}" srcOrd="0" destOrd="0" presId="urn:microsoft.com/office/officeart/2005/8/layout/radial1"/>
-    <dgm:cxn modelId="{28511CB7-383F-4E04-A9B7-69934475810B}" type="presOf" srcId="{47798B14-7499-48EC-983B-C7B2FAE6F7BE}" destId="{06483B5B-9FCD-4D5D-AF03-1CD98938C988}" srcOrd="0" destOrd="0" presId="urn:microsoft.com/office/officeart/2005/8/layout/radial1"/>
+    <dgm:cxn modelId="{DEA798E8-61EE-4A50-8B32-E1035B3A0C54}" srcId="{47798B14-7499-48EC-983B-C7B2FAE6F7BE}" destId="{D8DBB256-3125-4E4C-AC16-B075241FA54D}" srcOrd="0" destOrd="0" parTransId="{53763EEE-BE0D-4B91-9184-EB002F5CC8DD}" sibTransId="{17818067-D882-40AB-87CB-EE0686622415}"/>
     <dgm:cxn modelId="{B7968DB8-453E-4D88-AFA3-585C37D611BD}" type="presOf" srcId="{856A28DB-6C14-47F5-8717-227E54F7F754}" destId="{9D869CB9-EB98-4A46-AE33-9DC676A74B18}" srcOrd="1" destOrd="0" presId="urn:microsoft.com/office/officeart/2005/8/layout/radial1"/>
-    <dgm:cxn modelId="{5B1662C5-5B60-455E-9DD3-7853D0ADC130}" type="presOf" srcId="{856A28DB-6C14-47F5-8717-227E54F7F754}" destId="{AC8E3AA0-9FAC-4691-B617-2CA496BEE4E5}" srcOrd="0" destOrd="0" presId="urn:microsoft.com/office/officeart/2005/8/layout/radial1"/>
-    <dgm:cxn modelId="{DEA798E8-61EE-4A50-8B32-E1035B3A0C54}" srcId="{47798B14-7499-48EC-983B-C7B2FAE6F7BE}" destId="{D8DBB256-3125-4E4C-AC16-B075241FA54D}" srcOrd="0" destOrd="0" parTransId="{53763EEE-BE0D-4B91-9184-EB002F5CC8DD}" sibTransId="{17818067-D882-40AB-87CB-EE0686622415}"/>
-    <dgm:cxn modelId="{865B1BF6-957E-40B0-BC6E-2636276535DA}" type="presOf" srcId="{D8DBB256-3125-4E4C-AC16-B075241FA54D}" destId="{5DAD63F1-DE03-4452-94AE-11C982430650}" srcOrd="0" destOrd="0" presId="urn:microsoft.com/office/officeart/2005/8/layout/radial1"/>
+    <dgm:cxn modelId="{C13ADF46-04DB-4C0B-BF77-FA8EAB6AFEA7}" type="presOf" srcId="{205970C5-17DD-4CA1-B5D6-4830F9E3D1A8}" destId="{FA3A5D17-B9FE-428E-B2A3-18A9EBB8D186}" srcOrd="1" destOrd="0" presId="urn:microsoft.com/office/officeart/2005/8/layout/radial1"/>
+    <dgm:cxn modelId="{FD7B581C-29C2-4A41-85AE-D8740FE3BA97}" srcId="{D8DBB256-3125-4E4C-AC16-B075241FA54D}" destId="{C568429E-4FB2-4330-AA97-4A5E913AF3F4}" srcOrd="2" destOrd="0" parTransId="{205970C5-17DD-4CA1-B5D6-4830F9E3D1A8}" sibTransId="{5B3D2DEE-5DD3-49A3-9314-FA7347A240E3}"/>
+    <dgm:cxn modelId="{DC51AC65-51DE-4C80-9E64-93704121D508}" type="presOf" srcId="{205970C5-17DD-4CA1-B5D6-4830F9E3D1A8}" destId="{8C85E666-E0EF-498A-A4C8-254982D596C2}" srcOrd="0" destOrd="0" presId="urn:microsoft.com/office/officeart/2005/8/layout/radial1"/>
     <dgm:cxn modelId="{3D8C736D-AE15-4DB5-989C-D5BF7D0EE74F}" type="presParOf" srcId="{06483B5B-9FCD-4D5D-AF03-1CD98938C988}" destId="{5DAD63F1-DE03-4452-94AE-11C982430650}" srcOrd="0" destOrd="0" presId="urn:microsoft.com/office/officeart/2005/8/layout/radial1"/>
     <dgm:cxn modelId="{6C49915C-412E-4690-A9D3-69ADC3C7242E}" type="presParOf" srcId="{06483B5B-9FCD-4D5D-AF03-1CD98938C988}" destId="{A3A98FBD-434D-447E-A6E9-055D98C0FC02}" srcOrd="1" destOrd="0" presId="urn:microsoft.com/office/officeart/2005/8/layout/radial1"/>
     <dgm:cxn modelId="{399CC923-F028-4630-A692-F1C667B5012A}" type="presParOf" srcId="{A3A98FBD-434D-447E-A6E9-055D98C0FC02}" destId="{4DB15D27-FFCD-448B-BDEE-3F29BB13E6CB}" srcOrd="0" destOrd="0" presId="urn:microsoft.com/office/officeart/2005/8/layout/radial1"/>
@@ -2944,6 +3054,13 @@
         </dgm:presLayoutVars>
       </dgm:prSet>
       <dgm:spPr/>
+      <dgm:t>
+        <a:bodyPr/>
+        <a:lstStyle/>
+        <a:p>
+          <a:endParaRPr lang="zh-CN" altLang="en-US"/>
+        </a:p>
+      </dgm:t>
     </dgm:pt>
     <dgm:pt modelId="{808556E6-EC30-487E-A404-677DA202F97F}" type="pres">
       <dgm:prSet presAssocID="{B42224AC-AD35-461A-B833-9704690E47A5}" presName="composite" presStyleCnt="0"/>
@@ -2957,6 +3074,13 @@
         </dgm:presLayoutVars>
       </dgm:prSet>
       <dgm:spPr/>
+      <dgm:t>
+        <a:bodyPr/>
+        <a:lstStyle/>
+        <a:p>
+          <a:endParaRPr lang="zh-CN" altLang="en-US"/>
+        </a:p>
+      </dgm:t>
     </dgm:pt>
     <dgm:pt modelId="{227AA361-E736-4983-8DFF-03BAF0F3BC45}" type="pres">
       <dgm:prSet presAssocID="{B42224AC-AD35-461A-B833-9704690E47A5}" presName="descendantText" presStyleLbl="alignAcc1" presStyleIdx="0" presStyleCnt="3">
@@ -2965,6 +3089,13 @@
         </dgm:presLayoutVars>
       </dgm:prSet>
       <dgm:spPr/>
+      <dgm:t>
+        <a:bodyPr/>
+        <a:lstStyle/>
+        <a:p>
+          <a:endParaRPr lang="zh-CN" altLang="en-US"/>
+        </a:p>
+      </dgm:t>
     </dgm:pt>
     <dgm:pt modelId="{9B1D9AC8-612D-4AB3-BA38-DDB5191D1D2F}" type="pres">
       <dgm:prSet presAssocID="{E1F67A86-8205-430D-8EFC-5C40AA305FDA}" presName="sp" presStyleCnt="0"/>
@@ -2982,6 +3113,13 @@
         </dgm:presLayoutVars>
       </dgm:prSet>
       <dgm:spPr/>
+      <dgm:t>
+        <a:bodyPr/>
+        <a:lstStyle/>
+        <a:p>
+          <a:endParaRPr lang="zh-CN" altLang="en-US"/>
+        </a:p>
+      </dgm:t>
     </dgm:pt>
     <dgm:pt modelId="{15774C40-3CD2-40D0-A068-1B19CF0743E1}" type="pres">
       <dgm:prSet presAssocID="{36EAB46A-4347-47BB-94F8-A93BAAC764B9}" presName="descendantText" presStyleLbl="alignAcc1" presStyleIdx="1" presStyleCnt="3">
@@ -2990,6 +3128,13 @@
         </dgm:presLayoutVars>
       </dgm:prSet>
       <dgm:spPr/>
+      <dgm:t>
+        <a:bodyPr/>
+        <a:lstStyle/>
+        <a:p>
+          <a:endParaRPr lang="zh-CN" altLang="en-US"/>
+        </a:p>
+      </dgm:t>
     </dgm:pt>
     <dgm:pt modelId="{F71D2658-C4CD-40AA-B919-9F5673E7EE63}" type="pres">
       <dgm:prSet presAssocID="{55A24EB8-CD18-45CB-99F4-559890B74203}" presName="sp" presStyleCnt="0"/>
@@ -3007,6 +3152,13 @@
         </dgm:presLayoutVars>
       </dgm:prSet>
       <dgm:spPr/>
+      <dgm:t>
+        <a:bodyPr/>
+        <a:lstStyle/>
+        <a:p>
+          <a:endParaRPr lang="zh-CN" altLang="en-US"/>
+        </a:p>
+      </dgm:t>
     </dgm:pt>
     <dgm:pt modelId="{F9DC5039-92A3-4863-8EF3-A6FDC2D8F826}" type="pres">
       <dgm:prSet presAssocID="{E4B47D14-35A6-4095-9156-F2EC03F23F1A}" presName="descendantText" presStyleLbl="alignAcc1" presStyleIdx="2" presStyleCnt="3">
@@ -3015,22 +3167,29 @@
         </dgm:presLayoutVars>
       </dgm:prSet>
       <dgm:spPr/>
+      <dgm:t>
+        <a:bodyPr/>
+        <a:lstStyle/>
+        <a:p>
+          <a:endParaRPr lang="zh-CN" altLang="en-US"/>
+        </a:p>
+      </dgm:t>
     </dgm:pt>
   </dgm:ptLst>
   <dgm:cxnLst>
+    <dgm:cxn modelId="{0C0040B5-0107-4618-A81E-92B6B3067C85}" srcId="{9AEA6A8D-882E-43BC-A272-D58F8AB32294}" destId="{E4B47D14-35A6-4095-9156-F2EC03F23F1A}" srcOrd="2" destOrd="0" parTransId="{6250E3C8-1890-4DAD-A06D-1C341ADD8B3B}" sibTransId="{CC597D33-740B-41D3-B3D7-4BF77BEA7D71}"/>
+    <dgm:cxn modelId="{B793BC36-C1B5-42A0-B339-F98CD9488C33}" type="presOf" srcId="{B42224AC-AD35-461A-B833-9704690E47A5}" destId="{69D06BE4-0F77-4C5C-A744-D13BD2D3063A}" srcOrd="0" destOrd="0" presId="urn:microsoft.com/office/officeart/2005/8/layout/chevron2"/>
+    <dgm:cxn modelId="{98336515-A18F-40AA-845B-6AEC854DAB03}" type="presOf" srcId="{909A5349-76FC-410D-BCA8-5C131A06A271}" destId="{F9DC5039-92A3-4863-8EF3-A6FDC2D8F826}" srcOrd="0" destOrd="0" presId="urn:microsoft.com/office/officeart/2005/8/layout/chevron2"/>
+    <dgm:cxn modelId="{9F4F66B8-8CEA-4B10-8B7E-43EDED18D543}" type="presOf" srcId="{57E5E7B7-6A00-45BC-B8AE-F9683D6E5591}" destId="{227AA361-E736-4983-8DFF-03BAF0F3BC45}" srcOrd="0" destOrd="0" presId="urn:microsoft.com/office/officeart/2005/8/layout/chevron2"/>
+    <dgm:cxn modelId="{F002DE89-45CB-48B3-860F-EA3E3ECCA7C8}" srcId="{36EAB46A-4347-47BB-94F8-A93BAAC764B9}" destId="{0F1196B7-6907-4F03-A7AD-BD81DD229391}" srcOrd="0" destOrd="0" parTransId="{D16A30C5-B40C-4F6D-B6B5-48C2CE19AD6C}" sibTransId="{852ED334-F945-4CFD-953C-8B4516648188}"/>
+    <dgm:cxn modelId="{808C5488-27CA-4281-B3BC-0E6C8924E929}" type="presOf" srcId="{36EAB46A-4347-47BB-94F8-A93BAAC764B9}" destId="{2D2B0C14-525B-4C2E-B853-46B60382183C}" srcOrd="0" destOrd="0" presId="urn:microsoft.com/office/officeart/2005/8/layout/chevron2"/>
+    <dgm:cxn modelId="{890DE05E-1D83-4B4F-BEAF-25EE649BB6DF}" srcId="{E4B47D14-35A6-4095-9156-F2EC03F23F1A}" destId="{909A5349-76FC-410D-BCA8-5C131A06A271}" srcOrd="0" destOrd="0" parTransId="{66EEBC6C-D9DD-440F-9A38-075BB6F3A63D}" sibTransId="{03CA9B96-E5B5-404D-8167-B67A8051B760}"/>
+    <dgm:cxn modelId="{2A54D311-4635-4D61-B5D2-1EF400D0B0CA}" srcId="{B42224AC-AD35-461A-B833-9704690E47A5}" destId="{57E5E7B7-6A00-45BC-B8AE-F9683D6E5591}" srcOrd="0" destOrd="0" parTransId="{6A79F249-2781-4E74-960D-857A5F126EA4}" sibTransId="{AFEA61B9-6FF5-43CB-AC59-2B69349B26B7}"/>
+    <dgm:cxn modelId="{5D1B89F9-178D-4A8D-AE8F-B71CAE3B5760}" type="presOf" srcId="{E4B47D14-35A6-4095-9156-F2EC03F23F1A}" destId="{94C56672-C5D0-40A2-A464-7D7A45D209C4}" srcOrd="0" destOrd="0" presId="urn:microsoft.com/office/officeart/2005/8/layout/chevron2"/>
+    <dgm:cxn modelId="{3EF7A0F3-39AD-405C-87FE-F19AE2BE8539}" type="presOf" srcId="{0F1196B7-6907-4F03-A7AD-BD81DD229391}" destId="{15774C40-3CD2-40D0-A068-1B19CF0743E1}" srcOrd="0" destOrd="0" presId="urn:microsoft.com/office/officeart/2005/8/layout/chevron2"/>
+    <dgm:cxn modelId="{964E150E-6015-4438-BD5E-49CFF9CC72A5}" srcId="{9AEA6A8D-882E-43BC-A272-D58F8AB32294}" destId="{B42224AC-AD35-461A-B833-9704690E47A5}" srcOrd="0" destOrd="0" parTransId="{C867B0D2-58D1-468B-810F-F651C806FE05}" sibTransId="{E1F67A86-8205-430D-8EFC-5C40AA305FDA}"/>
     <dgm:cxn modelId="{B63AAC08-4463-4A6C-B17E-47FEFDE07EC3}" type="presOf" srcId="{9AEA6A8D-882E-43BC-A272-D58F8AB32294}" destId="{D530B000-5A7A-4679-BB81-858A2D0A8BC4}" srcOrd="0" destOrd="0" presId="urn:microsoft.com/office/officeart/2005/8/layout/chevron2"/>
-    <dgm:cxn modelId="{964E150E-6015-4438-BD5E-49CFF9CC72A5}" srcId="{9AEA6A8D-882E-43BC-A272-D58F8AB32294}" destId="{B42224AC-AD35-461A-B833-9704690E47A5}" srcOrd="0" destOrd="0" parTransId="{C867B0D2-58D1-468B-810F-F651C806FE05}" sibTransId="{E1F67A86-8205-430D-8EFC-5C40AA305FDA}"/>
-    <dgm:cxn modelId="{2A54D311-4635-4D61-B5D2-1EF400D0B0CA}" srcId="{B42224AC-AD35-461A-B833-9704690E47A5}" destId="{57E5E7B7-6A00-45BC-B8AE-F9683D6E5591}" srcOrd="0" destOrd="0" parTransId="{6A79F249-2781-4E74-960D-857A5F126EA4}" sibTransId="{AFEA61B9-6FF5-43CB-AC59-2B69349B26B7}"/>
-    <dgm:cxn modelId="{98336515-A18F-40AA-845B-6AEC854DAB03}" type="presOf" srcId="{909A5349-76FC-410D-BCA8-5C131A06A271}" destId="{F9DC5039-92A3-4863-8EF3-A6FDC2D8F826}" srcOrd="0" destOrd="0" presId="urn:microsoft.com/office/officeart/2005/8/layout/chevron2"/>
-    <dgm:cxn modelId="{B793BC36-C1B5-42A0-B339-F98CD9488C33}" type="presOf" srcId="{B42224AC-AD35-461A-B833-9704690E47A5}" destId="{69D06BE4-0F77-4C5C-A744-D13BD2D3063A}" srcOrd="0" destOrd="0" presId="urn:microsoft.com/office/officeart/2005/8/layout/chevron2"/>
     <dgm:cxn modelId="{E3B74837-5691-4C66-A6BA-132289588770}" srcId="{9AEA6A8D-882E-43BC-A272-D58F8AB32294}" destId="{36EAB46A-4347-47BB-94F8-A93BAAC764B9}" srcOrd="1" destOrd="0" parTransId="{D0A28072-17D0-44A0-858E-076BF0428C42}" sibTransId="{55A24EB8-CD18-45CB-99F4-559890B74203}"/>
-    <dgm:cxn modelId="{890DE05E-1D83-4B4F-BEAF-25EE649BB6DF}" srcId="{E4B47D14-35A6-4095-9156-F2EC03F23F1A}" destId="{909A5349-76FC-410D-BCA8-5C131A06A271}" srcOrd="0" destOrd="0" parTransId="{66EEBC6C-D9DD-440F-9A38-075BB6F3A63D}" sibTransId="{03CA9B96-E5B5-404D-8167-B67A8051B760}"/>
-    <dgm:cxn modelId="{808C5488-27CA-4281-B3BC-0E6C8924E929}" type="presOf" srcId="{36EAB46A-4347-47BB-94F8-A93BAAC764B9}" destId="{2D2B0C14-525B-4C2E-B853-46B60382183C}" srcOrd="0" destOrd="0" presId="urn:microsoft.com/office/officeart/2005/8/layout/chevron2"/>
-    <dgm:cxn modelId="{F002DE89-45CB-48B3-860F-EA3E3ECCA7C8}" srcId="{36EAB46A-4347-47BB-94F8-A93BAAC764B9}" destId="{0F1196B7-6907-4F03-A7AD-BD81DD229391}" srcOrd="0" destOrd="0" parTransId="{D16A30C5-B40C-4F6D-B6B5-48C2CE19AD6C}" sibTransId="{852ED334-F945-4CFD-953C-8B4516648188}"/>
-    <dgm:cxn modelId="{0C0040B5-0107-4618-A81E-92B6B3067C85}" srcId="{9AEA6A8D-882E-43BC-A272-D58F8AB32294}" destId="{E4B47D14-35A6-4095-9156-F2EC03F23F1A}" srcOrd="2" destOrd="0" parTransId="{6250E3C8-1890-4DAD-A06D-1C341ADD8B3B}" sibTransId="{CC597D33-740B-41D3-B3D7-4BF77BEA7D71}"/>
-    <dgm:cxn modelId="{9F4F66B8-8CEA-4B10-8B7E-43EDED18D543}" type="presOf" srcId="{57E5E7B7-6A00-45BC-B8AE-F9683D6E5591}" destId="{227AA361-E736-4983-8DFF-03BAF0F3BC45}" srcOrd="0" destOrd="0" presId="urn:microsoft.com/office/officeart/2005/8/layout/chevron2"/>
-    <dgm:cxn modelId="{3EF7A0F3-39AD-405C-87FE-F19AE2BE8539}" type="presOf" srcId="{0F1196B7-6907-4F03-A7AD-BD81DD229391}" destId="{15774C40-3CD2-40D0-A068-1B19CF0743E1}" srcOrd="0" destOrd="0" presId="urn:microsoft.com/office/officeart/2005/8/layout/chevron2"/>
-    <dgm:cxn modelId="{5D1B89F9-178D-4A8D-AE8F-B71CAE3B5760}" type="presOf" srcId="{E4B47D14-35A6-4095-9156-F2EC03F23F1A}" destId="{94C56672-C5D0-40A2-A464-7D7A45D209C4}" srcOrd="0" destOrd="0" presId="urn:microsoft.com/office/officeart/2005/8/layout/chevron2"/>
     <dgm:cxn modelId="{A57405A8-1C57-4295-AF52-47B5B2A9E0FB}" type="presParOf" srcId="{D530B000-5A7A-4679-BB81-858A2D0A8BC4}" destId="{808556E6-EC30-487E-A404-677DA202F97F}" srcOrd="0" destOrd="0" presId="urn:microsoft.com/office/officeart/2005/8/layout/chevron2"/>
     <dgm:cxn modelId="{1BF77039-5A34-4584-90AE-38940C8AD2EB}" type="presParOf" srcId="{808556E6-EC30-487E-A404-677DA202F97F}" destId="{69D06BE4-0F77-4C5C-A744-D13BD2D3063A}" srcOrd="0" destOrd="0" presId="urn:microsoft.com/office/officeart/2005/8/layout/chevron2"/>
     <dgm:cxn modelId="{75AE0B98-3619-4B3F-8D50-EA45787A78F9}" type="presParOf" srcId="{808556E6-EC30-487E-A404-677DA202F97F}" destId="{227AA361-E736-4983-8DFF-03BAF0F3BC45}" srcOrd="1" destOrd="0" presId="urn:microsoft.com/office/officeart/2005/8/layout/chevron2"/>
@@ -3146,7 +3305,7 @@
         </a:bodyPr>
         <a:lstStyle/>
         <a:p>
-          <a:pPr marL="0" lvl="0" indent="0" algn="ctr" defTabSz="2711450">
+          <a:pPr lvl="0" algn="ctr" defTabSz="2711450">
             <a:lnSpc>
               <a:spcPct val="90000"/>
             </a:lnSpc>
@@ -3156,7 +3315,6 @@
             <a:spcAft>
               <a:spcPct val="35000"/>
             </a:spcAft>
-            <a:buNone/>
           </a:pPr>
           <a:r>
             <a:rPr lang="en-US" altLang="zh-CN" sz="6100" b="1" kern="1200" dirty="0"/>
@@ -3231,7 +3389,7 @@
         </a:bodyPr>
         <a:lstStyle/>
         <a:p>
-          <a:pPr marL="0" lvl="0" indent="0" algn="ctr" defTabSz="222250">
+          <a:pPr lvl="0" algn="ctr" defTabSz="222250">
             <a:lnSpc>
               <a:spcPct val="90000"/>
             </a:lnSpc>
@@ -3241,7 +3399,6 @@
             <a:spcAft>
               <a:spcPct val="35000"/>
             </a:spcAft>
-            <a:buNone/>
           </a:pPr>
           <a:endParaRPr lang="zh-CN" altLang="en-US" sz="500" b="1" kern="1200"/>
         </a:p>
@@ -3336,7 +3493,7 @@
         </a:bodyPr>
         <a:lstStyle/>
         <a:p>
-          <a:pPr marL="0" lvl="0" indent="0" algn="ctr" defTabSz="1022350">
+          <a:pPr lvl="0" algn="ctr" defTabSz="1022350">
             <a:lnSpc>
               <a:spcPct val="90000"/>
             </a:lnSpc>
@@ -3346,7 +3503,6 @@
             <a:spcAft>
               <a:spcPct val="35000"/>
             </a:spcAft>
-            <a:buNone/>
           </a:pPr>
           <a:r>
             <a:rPr lang="zh-CN" altLang="en-US" sz="2300" b="1" kern="1200" dirty="0"/>
@@ -3420,7 +3576,7 @@
         </a:bodyPr>
         <a:lstStyle/>
         <a:p>
-          <a:pPr marL="0" lvl="0" indent="0" algn="ctr" defTabSz="222250">
+          <a:pPr lvl="0" algn="ctr" defTabSz="222250">
             <a:lnSpc>
               <a:spcPct val="90000"/>
             </a:lnSpc>
@@ -3430,7 +3586,6 @@
             <a:spcAft>
               <a:spcPct val="35000"/>
             </a:spcAft>
-            <a:buNone/>
           </a:pPr>
           <a:endParaRPr lang="zh-CN" altLang="en-US" sz="500" b="1" kern="1200"/>
         </a:p>
@@ -3525,7 +3680,7 @@
         </a:bodyPr>
         <a:lstStyle/>
         <a:p>
-          <a:pPr marL="0" lvl="0" indent="0" algn="ctr" defTabSz="1022350">
+          <a:pPr lvl="0" algn="ctr" defTabSz="1022350">
             <a:lnSpc>
               <a:spcPct val="90000"/>
             </a:lnSpc>
@@ -3535,7 +3690,6 @@
             <a:spcAft>
               <a:spcPct val="35000"/>
             </a:spcAft>
-            <a:buNone/>
           </a:pPr>
           <a:r>
             <a:rPr lang="zh-CN" altLang="en-US" sz="2300" b="1" kern="1200" dirty="0"/>
@@ -3609,7 +3763,7 @@
         </a:bodyPr>
         <a:lstStyle/>
         <a:p>
-          <a:pPr marL="0" lvl="0" indent="0" algn="ctr" defTabSz="222250">
+          <a:pPr lvl="0" algn="ctr" defTabSz="222250">
             <a:lnSpc>
               <a:spcPct val="90000"/>
             </a:lnSpc>
@@ -3619,7 +3773,6 @@
             <a:spcAft>
               <a:spcPct val="35000"/>
             </a:spcAft>
-            <a:buNone/>
           </a:pPr>
           <a:endParaRPr lang="zh-CN" altLang="en-US" sz="500" b="1" kern="1200"/>
         </a:p>
@@ -3714,7 +3867,7 @@
         </a:bodyPr>
         <a:lstStyle/>
         <a:p>
-          <a:pPr marL="0" lvl="0" indent="0" algn="ctr" defTabSz="1022350">
+          <a:pPr lvl="0" algn="ctr" defTabSz="1022350">
             <a:lnSpc>
               <a:spcPct val="90000"/>
             </a:lnSpc>
@@ -3724,7 +3877,6 @@
             <a:spcAft>
               <a:spcPct val="35000"/>
             </a:spcAft>
-            <a:buNone/>
           </a:pPr>
           <a:r>
             <a:rPr lang="zh-CN" altLang="en-US" sz="2300" b="1" kern="1200" dirty="0"/>
@@ -3798,7 +3950,7 @@
         </a:bodyPr>
         <a:lstStyle/>
         <a:p>
-          <a:pPr marL="0" lvl="0" indent="0" algn="ctr" defTabSz="222250">
+          <a:pPr lvl="0" algn="ctr" defTabSz="222250">
             <a:lnSpc>
               <a:spcPct val="90000"/>
             </a:lnSpc>
@@ -3808,7 +3960,6 @@
             <a:spcAft>
               <a:spcPct val="35000"/>
             </a:spcAft>
-            <a:buNone/>
           </a:pPr>
           <a:endParaRPr lang="zh-CN" altLang="en-US" sz="500" b="1" kern="1200"/>
         </a:p>
@@ -3903,7 +4054,7 @@
         </a:bodyPr>
         <a:lstStyle/>
         <a:p>
-          <a:pPr marL="0" lvl="0" indent="0" algn="ctr" defTabSz="1022350">
+          <a:pPr lvl="0" algn="ctr" defTabSz="1022350">
             <a:lnSpc>
               <a:spcPct val="90000"/>
             </a:lnSpc>
@@ -3913,7 +4064,6 @@
             <a:spcAft>
               <a:spcPct val="35000"/>
             </a:spcAft>
-            <a:buNone/>
           </a:pPr>
           <a:r>
             <a:rPr lang="zh-CN" altLang="en-US" sz="2300" b="1" kern="1200" dirty="0"/>
@@ -4021,7 +4171,7 @@
         </a:bodyPr>
         <a:lstStyle/>
         <a:p>
-          <a:pPr marL="0" lvl="0" indent="0" algn="ctr" defTabSz="1155700">
+          <a:pPr lvl="0" algn="ctr" defTabSz="1155700">
             <a:lnSpc>
               <a:spcPct val="90000"/>
             </a:lnSpc>
@@ -4031,7 +4181,6 @@
             <a:spcAft>
               <a:spcPct val="35000"/>
             </a:spcAft>
-            <a:buNone/>
           </a:pPr>
           <a:r>
             <a:rPr lang="zh-CN" altLang="en-US" sz="2600" b="1" kern="1200" dirty="0">
@@ -4110,7 +4259,7 @@
             <a:spcAft>
               <a:spcPct val="15000"/>
             </a:spcAft>
-            <a:buChar char="•"/>
+            <a:buChar char="••"/>
           </a:pPr>
           <a:r>
             <a:rPr lang="zh-CN" altLang="en-US" sz="2400" kern="1200" dirty="0">
@@ -4237,7 +4386,7 @@
         </a:bodyPr>
         <a:lstStyle/>
         <a:p>
-          <a:pPr marL="0" lvl="0" indent="0" algn="ctr" defTabSz="1155700">
+          <a:pPr lvl="0" algn="ctr" defTabSz="1155700">
             <a:lnSpc>
               <a:spcPct val="90000"/>
             </a:lnSpc>
@@ -4247,7 +4396,6 @@
             <a:spcAft>
               <a:spcPct val="35000"/>
             </a:spcAft>
-            <a:buNone/>
           </a:pPr>
           <a:r>
             <a:rPr lang="zh-CN" altLang="en-US" sz="2600" b="1" kern="1200" dirty="0">
@@ -4326,7 +4474,7 @@
             <a:spcAft>
               <a:spcPct val="15000"/>
             </a:spcAft>
-            <a:buChar char="•"/>
+            <a:buChar char="••"/>
           </a:pPr>
           <a:r>
             <a:rPr lang="zh-CN" altLang="en-US" sz="2400" kern="1200" dirty="0">
@@ -4425,7 +4573,7 @@
         </a:bodyPr>
         <a:lstStyle/>
         <a:p>
-          <a:pPr marL="0" lvl="0" indent="0" algn="ctr" defTabSz="1155700">
+          <a:pPr lvl="0" algn="ctr" defTabSz="1155700">
             <a:lnSpc>
               <a:spcPct val="90000"/>
             </a:lnSpc>
@@ -4435,7 +4583,6 @@
             <a:spcAft>
               <a:spcPct val="35000"/>
             </a:spcAft>
-            <a:buNone/>
           </a:pPr>
           <a:r>
             <a:rPr lang="zh-CN" altLang="en-US" sz="2600" b="1" kern="1200" dirty="0">
@@ -4514,7 +4661,7 @@
             <a:spcAft>
               <a:spcPct val="15000"/>
             </a:spcAft>
-            <a:buChar char="•"/>
+            <a:buChar char="••"/>
           </a:pPr>
           <a:r>
             <a:rPr lang="zh-CN" altLang="en-US" sz="2400" kern="1200" dirty="0">
@@ -7491,7 +7638,7 @@
               <a:pPr>
                 <a:defRPr/>
               </a:pPr>
-              <a:t>2/25/2019</a:t>
+              <a:t>2/14/2020</a:t>
             </a:fld>
             <a:endParaRPr/>
           </a:p>
@@ -7711,7 +7858,7 @@
               <a:pPr>
                 <a:defRPr/>
               </a:pPr>
-              <a:t>2/25/2019</a:t>
+              <a:t>2/14/2020</a:t>
             </a:fld>
             <a:endParaRPr/>
           </a:p>
@@ -8314,7 +8461,7 @@
               <a:pPr>
                 <a:defRPr/>
               </a:pPr>
-              <a:t>2/25/2019</a:t>
+              <a:t>2/14/2020</a:t>
             </a:fld>
             <a:endParaRPr/>
           </a:p>
@@ -8568,7 +8715,7 @@
               <a:pPr>
                 <a:defRPr/>
               </a:pPr>
-              <a:t>2/25/2019</a:t>
+              <a:t>2/14/2020</a:t>
             </a:fld>
             <a:endParaRPr/>
           </a:p>
@@ -8780,7 +8927,7 @@
               <a:pPr>
                 <a:defRPr/>
               </a:pPr>
-              <a:t>2/25/2019</a:t>
+              <a:t>2/14/2020</a:t>
             </a:fld>
             <a:endParaRPr/>
           </a:p>
@@ -8963,7 +9110,7 @@
               <a:pPr>
                 <a:defRPr/>
               </a:pPr>
-              <a:t>2/25/2019</a:t>
+              <a:t>2/14/2020</a:t>
             </a:fld>
             <a:endParaRPr/>
           </a:p>
@@ -9206,7 +9353,7 @@
               <a:pPr>
                 <a:defRPr/>
               </a:pPr>
-              <a:t>2/25/2019</a:t>
+              <a:t>2/14/2020</a:t>
             </a:fld>
             <a:endParaRPr/>
           </a:p>
@@ -9635,7 +9782,7 @@
               <a:pPr>
                 <a:defRPr/>
               </a:pPr>
-              <a:t>2/25/2019</a:t>
+              <a:t>2/14/2020</a:t>
             </a:fld>
             <a:endParaRPr/>
           </a:p>
@@ -10047,7 +10194,7 @@
               <a:pPr>
                 <a:defRPr/>
               </a:pPr>
-              <a:t>2/25/2019</a:t>
+              <a:t>2/14/2020</a:t>
             </a:fld>
             <a:endParaRPr/>
           </a:p>
@@ -10163,7 +10310,7 @@
               <a:pPr>
                 <a:defRPr/>
               </a:pPr>
-              <a:t>2/25/2019</a:t>
+              <a:t>2/14/2020</a:t>
             </a:fld>
             <a:endParaRPr/>
           </a:p>
@@ -10279,7 +10426,7 @@
               <a:pPr>
                 <a:defRPr/>
               </a:pPr>
-              <a:t>2/25/2019</a:t>
+              <a:t>2/14/2020</a:t>
             </a:fld>
             <a:endParaRPr/>
           </a:p>
@@ -10551,7 +10698,7 @@
               <a:pPr>
                 <a:defRPr/>
               </a:pPr>
-              <a:t>2/25/2019</a:t>
+              <a:t>2/14/2020</a:t>
             </a:fld>
             <a:endParaRPr/>
           </a:p>
@@ -10819,7 +10966,7 @@
               <a:pPr>
                 <a:defRPr/>
               </a:pPr>
-              <a:t>2/25/2019</a:t>
+              <a:t>2/14/2020</a:t>
             </a:fld>
             <a:endParaRPr/>
           </a:p>
@@ -11001,7 +11148,7 @@
               <a:pPr>
                 <a:defRPr/>
               </a:pPr>
-              <a:t>2/25/2019</a:t>
+              <a:t>2/14/2020</a:t>
             </a:fld>
             <a:endParaRPr/>
           </a:p>
@@ -11712,33 +11859,47 @@
         </p:nvSpPr>
         <p:spPr>
           <a:xfrm>
-            <a:off x="549796" y="1117848"/>
-            <a:ext cx="5688632" cy="1732180"/>
+            <a:off x="45740" y="1484784"/>
+            <a:ext cx="6192688" cy="1365244"/>
           </a:xfrm>
         </p:spPr>
         <p:txBody>
-          <a:bodyPr/>
+          <a:bodyPr>
+            <a:normAutofit/>
+          </a:bodyPr>
           <a:lstStyle/>
           <a:p>
             <a:r>
-              <a:rPr lang="en-US" altLang="zh-CN" b="1">
+              <a:rPr lang="en-US" altLang="zh-CN" sz="4400" b="1" smtClean="0">
                 <a:latin typeface="+mj-ea"/>
               </a:rPr>
-              <a:t>《 C</a:t>
+              <a:t>《</a:t>
             </a:r>
             <a:r>
-              <a:rPr lang="zh-CN" altLang="en-US" b="1">
+              <a:rPr lang="zh-CN" altLang="en-US" sz="4400" b="1" smtClean="0">
                 <a:latin typeface="+mj-ea"/>
               </a:rPr>
-              <a:t>语言程序设计</a:t>
+              <a:t>程序设计基础</a:t>
             </a:r>
             <a:r>
-              <a:rPr lang="en-US" altLang="zh-CN" b="1">
+              <a:rPr lang="en-US" altLang="zh-CN" sz="4400" b="1" smtClean="0">
+                <a:latin typeface="+mj-ea"/>
+              </a:rPr>
+              <a:t>C</a:t>
+            </a:r>
+            <a:r>
+              <a:rPr lang="zh-CN" altLang="en-US" sz="4400" b="1">
+                <a:latin typeface="+mj-ea"/>
+              </a:rPr>
+              <a:t>语言</a:t>
+            </a:r>
+            <a:r>
+              <a:rPr lang="en-US" altLang="zh-CN" sz="4400" b="1" smtClean="0">
                 <a:latin typeface="+mj-ea"/>
               </a:rPr>
               <a:t>》</a:t>
             </a:r>
-            <a:endParaRPr lang="zh-CN" altLang="en-US" b="1">
+            <a:endParaRPr lang="zh-CN" altLang="en-US" sz="4400" b="1">
               <a:latin typeface="+mj-ea"/>
             </a:endParaRPr>
           </a:p>
@@ -11794,6 +11955,13 @@
   <p:transition spd="med">
     <p:fade/>
   </p:transition>
+  <p:timing>
+    <p:tnLst>
+      <p:par>
+        <p:cTn id="1" dur="indefinite" restart="never" nodeType="tmRoot"/>
+      </p:par>
+    </p:tnLst>
+  </p:timing>
 </p:sld>
 </file>
 
@@ -13166,7 +13334,7 @@
             </p:nvSpPr>
             <p:spPr bwMode="gray">
               <a:xfrm>
-                <a:off x="787" y="2323"/>
+                <a:off x="787" y="2259"/>
                 <a:ext cx="709" cy="643"/>
               </a:xfrm>
               <a:prstGeom prst="rect">
@@ -13758,6 +13926,13 @@
   <p:transition spd="med">
     <p:fade/>
   </p:transition>
+  <p:timing>
+    <p:tnLst>
+      <p:par>
+        <p:cTn id="1" dur="indefinite" restart="never" nodeType="tmRoot"/>
+      </p:par>
+    </p:tnLst>
+  </p:timing>
 </p:sld>
 </file>
 
@@ -13778,6 +13953,30 @@
           <a:chExt cx="0" cy="0"/>
         </a:xfrm>
       </p:grpSpPr>
+      <p:pic>
+        <p:nvPicPr>
+          <p:cNvPr id="3" name="图片 2"/>
+          <p:cNvPicPr>
+            <a:picLocks noChangeAspect="1"/>
+          </p:cNvPicPr>
+          <p:nvPr/>
+        </p:nvPicPr>
+        <p:blipFill>
+          <a:blip r:embed="rId2"/>
+          <a:stretch>
+            <a:fillRect/>
+          </a:stretch>
+        </p:blipFill>
+        <p:spPr>
+          <a:xfrm>
+            <a:off x="1120737" y="1125635"/>
+            <a:ext cx="10850931" cy="4967661"/>
+          </a:xfrm>
+          <a:prstGeom prst="rect">
+            <a:avLst/>
+          </a:prstGeom>
+        </p:spPr>
+      </p:pic>
       <p:sp>
         <p:nvSpPr>
           <p:cNvPr id="2" name="标题 1"/>
@@ -13861,36 +14060,6 @@
           </a:p>
         </p:txBody>
       </p:sp>
-      <p:pic>
-        <p:nvPicPr>
-          <p:cNvPr id="5" name="图片 4">
-            <a:extLst>
-              <a:ext uri="{FF2B5EF4-FFF2-40B4-BE49-F238E27FC236}">
-                <a16:creationId xmlns:a16="http://schemas.microsoft.com/office/drawing/2014/main" id="{C99ADAE0-257D-4DF7-A74E-4BD85B34AB98}"/>
-              </a:ext>
-            </a:extLst>
-          </p:cNvPr>
-          <p:cNvPicPr>
-            <a:picLocks noChangeAspect="1"/>
-          </p:cNvPicPr>
-          <p:nvPr/>
-        </p:nvPicPr>
-        <p:blipFill>
-          <a:blip r:embed="rId2"/>
-          <a:stretch>
-            <a:fillRect/>
-          </a:stretch>
-        </p:blipFill>
-        <p:spPr>
-          <a:xfrm>
-            <a:off x="1171667" y="1259882"/>
-            <a:ext cx="11017158" cy="4770537"/>
-          </a:xfrm>
-          <a:prstGeom prst="rect">
-            <a:avLst/>
-          </a:prstGeom>
-        </p:spPr>
-      </p:pic>
       <p:cxnSp>
         <p:nvCxnSpPr>
           <p:cNvPr id="6" name="直接连接符 5"/>
@@ -13901,8 +14070,8 @@
         </p:nvCxnSpPr>
         <p:spPr>
           <a:xfrm>
-            <a:off x="1139332" y="2491308"/>
-            <a:ext cx="11049493" cy="0"/>
+            <a:off x="1120737" y="2342741"/>
+            <a:ext cx="10850931" cy="0"/>
           </a:xfrm>
           <a:prstGeom prst="line">
             <a:avLst/>
@@ -13911,7 +14080,7 @@
             <a:solidFill>
               <a:srgbClr val="FF0000"/>
             </a:solidFill>
-            <a:headEnd type="triangle" w="med" len="med"/>
+            <a:headEnd type="none" w="med" len="med"/>
             <a:tailEnd type="none" w="med" len="med"/>
           </a:ln>
         </p:spPr>
@@ -14049,6 +14218,30 @@
           <a:chExt cx="0" cy="0"/>
         </a:xfrm>
       </p:grpSpPr>
+      <p:pic>
+        <p:nvPicPr>
+          <p:cNvPr id="3" name="图片 2"/>
+          <p:cNvPicPr>
+            <a:picLocks noChangeAspect="1"/>
+          </p:cNvPicPr>
+          <p:nvPr/>
+        </p:nvPicPr>
+        <p:blipFill>
+          <a:blip r:embed="rId2"/>
+          <a:stretch>
+            <a:fillRect/>
+          </a:stretch>
+        </p:blipFill>
+        <p:spPr>
+          <a:xfrm>
+            <a:off x="1629916" y="1196752"/>
+            <a:ext cx="9885971" cy="4662510"/>
+          </a:xfrm>
+          <a:prstGeom prst="rect">
+            <a:avLst/>
+          </a:prstGeom>
+        </p:spPr>
+      </p:pic>
       <p:sp>
         <p:nvSpPr>
           <p:cNvPr id="2" name="标题 1"/>
@@ -14076,7 +14269,7 @@
       <p:sp>
         <p:nvSpPr>
           <p:cNvPr id="5" name="Rectangle 8">
-            <a:hlinkClick r:id="rId2"/>
+            <a:hlinkClick r:id="rId3"/>
           </p:cNvPr>
           <p:cNvSpPr txBox="1">
             <a:spLocks noChangeArrowheads="1"/>
@@ -14085,7 +14278,7 @@
         </p:nvSpPr>
         <p:spPr bwMode="auto">
           <a:xfrm>
-            <a:off x="2190152" y="5732484"/>
+            <a:off x="2253818" y="5823273"/>
             <a:ext cx="7719589" cy="696912"/>
           </a:xfrm>
           <a:prstGeom prst="rect">
@@ -14210,36 +14403,6 @@
           </a:p>
         </p:txBody>
       </p:sp>
-      <p:pic>
-        <p:nvPicPr>
-          <p:cNvPr id="4" name="图片 3">
-            <a:extLst>
-              <a:ext uri="{FF2B5EF4-FFF2-40B4-BE49-F238E27FC236}">
-                <a16:creationId xmlns:a16="http://schemas.microsoft.com/office/drawing/2014/main" id="{B42FE9DF-898E-469D-A5FB-967CFB31720E}"/>
-              </a:ext>
-            </a:extLst>
-          </p:cNvPr>
-          <p:cNvPicPr>
-            <a:picLocks noChangeAspect="1"/>
-          </p:cNvPicPr>
-          <p:nvPr/>
-        </p:nvPicPr>
-        <p:blipFill>
-          <a:blip r:embed="rId3"/>
-          <a:stretch>
-            <a:fillRect/>
-          </a:stretch>
-        </p:blipFill>
-        <p:spPr>
-          <a:xfrm>
-            <a:off x="1638397" y="1196752"/>
-            <a:ext cx="9568583" cy="4571762"/>
-          </a:xfrm>
-          <a:prstGeom prst="rect">
-            <a:avLst/>
-          </a:prstGeom>
-        </p:spPr>
-      </p:pic>
       <p:sp>
         <p:nvSpPr>
           <p:cNvPr id="6" name="Line 9"/>
@@ -14622,7 +14785,7 @@
       </p:pic>
       <p:pic>
         <p:nvPicPr>
-          <p:cNvPr id="3076" name="Picture 4" descr="C:\Users\Eetze\Desktop\5ed471c15f6c2458d4c8462ee161d8c6.png"/>
+          <p:cNvPr id="3076" name="Picture 4"/>
           <p:cNvPicPr>
             <a:picLocks noChangeAspect="1" noChangeArrowheads="1"/>
           </p:cNvPicPr>
@@ -14636,15 +14799,14 @@
               </a:ext>
             </a:extLst>
           </a:blip>
-          <a:srcRect/>
           <a:stretch>
             <a:fillRect/>
           </a:stretch>
         </p:blipFill>
         <p:spPr bwMode="auto">
           <a:xfrm>
-            <a:off x="8144735" y="4077072"/>
-            <a:ext cx="1694093" cy="2108755"/>
+            <a:off x="7642584" y="4581128"/>
+            <a:ext cx="1872208" cy="1872208"/>
           </a:xfrm>
           <a:prstGeom prst="rect">
             <a:avLst/>
@@ -15807,6 +15969,13 @@
   <p:transition spd="med">
     <p:fade/>
   </p:transition>
+  <p:timing>
+    <p:tnLst>
+      <p:par>
+        <p:cTn id="1" dur="indefinite" restart="never" nodeType="tmRoot"/>
+      </p:par>
+    </p:tnLst>
+  </p:timing>
 </p:sld>
 </file>
 
@@ -15856,7 +16025,7 @@
           <p:nvPr>
             <p:extLst>
               <p:ext uri="{D42A27DB-BD31-4B8C-83A1-F6EECF244321}">
-                <p14:modId xmlns:p14="http://schemas.microsoft.com/office/powerpoint/2010/main" val="803046678"/>
+                <p14:modId xmlns:p14="http://schemas.microsoft.com/office/powerpoint/2010/main" val="1607852069"/>
               </p:ext>
             </p:extLst>
           </p:nvPr>
@@ -16138,7 +16307,7 @@
     </p:spTree>
     <p:extLst>
       <p:ext uri="{BB962C8B-B14F-4D97-AF65-F5344CB8AC3E}">
-        <p14:creationId xmlns:p14="http://schemas.microsoft.com/office/powerpoint/2010/main" val="717076506"/>
+        <p14:creationId xmlns:p14="http://schemas.microsoft.com/office/powerpoint/2010/main" val="304062634"/>
       </p:ext>
     </p:extLst>
   </p:cSld>
